--- a/Documentation/Poster.pptx
+++ b/Documentation/Poster.pptx
@@ -3181,7 +3181,7 @@
         <p:spPr>
           <a:xfrm>
             <a:off x="975072" y="4606678"/>
-            <a:ext cx="10988866" cy="14248324"/>
+            <a:ext cx="10988866" cy="13222530"/>
           </a:xfrm>
           <a:prstGeom prst="rect">
             <a:avLst/>
@@ -3260,16 +3260,17 @@
               <a:buFont typeface="Arial" panose="020B0604020202020204" pitchFamily="34" charset="0"/>
               <a:buChar char="•"/>
             </a:pPr>
-            <a:endParaRPr lang="en-IN" sz="3333" dirty="0"/>
-          </a:p>
-          <a:p>
-            <a:pPr marL="342900" indent="-342900">
-              <a:buFont typeface="Arial" panose="020B0604020202020204" pitchFamily="34" charset="0"/>
-              <a:buChar char="•"/>
-            </a:pPr>
             <a:r>
               <a:rPr lang="en-IN" sz="3333" dirty="0"/>
-              <a:t>Hence, it becomes necessary to study analyse data from various seasons to improve the classification results. Using multitemporal data, this error can be reduced as it enables us to consider changing spectral signatures of same class over different images. </a:t>
+              <a:t>Hence, it becomes necessary to </a:t>
+            </a:r>
+            <a:r>
+              <a:rPr lang="en-IN" sz="3333" dirty="0" err="1"/>
+              <a:t>studyanalyse</a:t>
+            </a:r>
+            <a:r>
+              <a:rPr lang="en-IN" sz="3333" dirty="0"/>
+              <a:t> data from various seasons to improve the classification results. Using multitemporal data, this error can be reduced as it enables us to consider changing spectral signatures of same class over different images. </a:t>
             </a:r>
           </a:p>
           <a:p>
@@ -3483,7 +3484,7 @@
             </a:pPr>
             <a:r>
               <a:rPr lang="en-IN" sz="3333" dirty="0"/>
-              <a:t>We are using MLC as our initial classification algorithm. MLC uses prior information about the expected distribution of classes in final classification stage. This prior information is used for weighing the classes as per their expected distribution in output dataset.</a:t>
+              <a:t>MLC is the initial classification algorithm. MLC uses prior information about the expected distribution of classes in final classification stage. This prior information is used for weighing the classes as per their expected distribution in output dataset.</a:t>
             </a:r>
           </a:p>
           <a:p>
@@ -3493,7 +3494,7 @@
             </a:pPr>
             <a:r>
               <a:rPr lang="en-IN" sz="3333" dirty="0"/>
-              <a:t>MLC will classify the given image and as we are using multiple images, we will have models corresponding to each image. But at the end, we need a single decision for each test point, and for this purpose we are using Bayesian Model Averaging (BMA) to combine all the decisions from the models.</a:t>
+              <a:t>MLC will classify the given image and for multiple images, it will have models corresponding to each image. </a:t>
             </a:r>
           </a:p>
           <a:p>
@@ -3502,8 +3503,18 @@
               <a:buChar char="•"/>
             </a:pPr>
             <a:r>
+              <a:rPr lang="en-IN" sz="3333" dirty="0"/>
+              <a:t>Since, a single decision for each test point is required, so Bayesian Model Averaging (BMA) is used to combine all the decisions from the models.</a:t>
+            </a:r>
+          </a:p>
+          <a:p>
+            <a:pPr marL="342900" indent="-342900">
+              <a:buFont typeface="Arial" panose="020B0604020202020204" pitchFamily="34" charset="0"/>
+              <a:buChar char="•"/>
+            </a:pPr>
+            <a:r>
               <a:rPr lang="en-US" sz="3333" dirty="0"/>
-              <a:t>In BMA we model parameter uncertainty through the prior distribution, uncertainty obtaining posterior parameter and model posteriors using Bayes’ theorem Which allows us to do direct model selection, combined estimation and prediction. </a:t>
+              <a:t>In BMA, parameter uncertainty is modelled through the prior distribution, uncertainty obtaining posterior parameter and model posteriors using Bayes’ theorem which allows to do direct model selection, combined estimation and prediction. </a:t>
             </a:r>
           </a:p>
           <a:p>
@@ -3834,7 +3845,7 @@
           <p:nvPr>
             <p:extLst>
               <p:ext uri="{D42A27DB-BD31-4B8C-83A1-F6EECF244321}">
-                <p14:modId xmlns:p14="http://schemas.microsoft.com/office/powerpoint/2010/main" val="3303200354"/>
+                <p14:modId xmlns:p14="http://schemas.microsoft.com/office/powerpoint/2010/main" val="2701831699"/>
               </p:ext>
             </p:extLst>
           </p:nvPr>
@@ -4547,7 +4558,7 @@
       </p:pic>
       <p:pic>
         <p:nvPicPr>
-          <p:cNvPr id="26" name="Picture 25"/>
+          <p:cNvPr id="32" name="Picture 31"/>
           <p:cNvPicPr>
             <a:picLocks noChangeAspect="1"/>
           </p:cNvPicPr>
@@ -4555,54 +4566,6 @@
         </p:nvPicPr>
         <p:blipFill>
           <a:blip r:embed="rId18"/>
-          <a:stretch>
-            <a:fillRect/>
-          </a:stretch>
-        </p:blipFill>
-        <p:spPr>
-          <a:xfrm>
-            <a:off x="18460185" y="11568036"/>
-            <a:ext cx="7353300" cy="4619625"/>
-          </a:xfrm>
-          <a:prstGeom prst="rect">
-            <a:avLst/>
-          </a:prstGeom>
-        </p:spPr>
-      </p:pic>
-      <p:pic>
-        <p:nvPicPr>
-          <p:cNvPr id="30" name="Picture 29"/>
-          <p:cNvPicPr>
-            <a:picLocks noChangeAspect="1"/>
-          </p:cNvPicPr>
-          <p:nvPr/>
-        </p:nvPicPr>
-        <p:blipFill>
-          <a:blip r:embed="rId19"/>
-          <a:stretch>
-            <a:fillRect/>
-          </a:stretch>
-        </p:blipFill>
-        <p:spPr>
-          <a:xfrm>
-            <a:off x="1153602" y="12418363"/>
-            <a:ext cx="10599179" cy="1980731"/>
-          </a:xfrm>
-          <a:prstGeom prst="rect">
-            <a:avLst/>
-          </a:prstGeom>
-        </p:spPr>
-      </p:pic>
-      <p:pic>
-        <p:nvPicPr>
-          <p:cNvPr id="32" name="Picture 31"/>
-          <p:cNvPicPr>
-            <a:picLocks noChangeAspect="1"/>
-          </p:cNvPicPr>
-          <p:nvPr/>
-        </p:nvPicPr>
-        <p:blipFill>
-          <a:blip r:embed="rId20"/>
           <a:stretch>
             <a:fillRect/>
           </a:stretch>
@@ -4675,6 +4638,54 @@
           </a:p>
         </p:txBody>
       </p:sp>
+      <p:pic>
+        <p:nvPicPr>
+          <p:cNvPr id="6" name="Picture 5"/>
+          <p:cNvPicPr>
+            <a:picLocks noChangeAspect="1"/>
+          </p:cNvPicPr>
+          <p:nvPr/>
+        </p:nvPicPr>
+        <p:blipFill>
+          <a:blip r:embed="rId19"/>
+          <a:stretch>
+            <a:fillRect/>
+          </a:stretch>
+        </p:blipFill>
+        <p:spPr>
+          <a:xfrm>
+            <a:off x="1406263" y="12062785"/>
+            <a:ext cx="10614307" cy="2028983"/>
+          </a:xfrm>
+          <a:prstGeom prst="rect">
+            <a:avLst/>
+          </a:prstGeom>
+        </p:spPr>
+      </p:pic>
+      <p:pic>
+        <p:nvPicPr>
+          <p:cNvPr id="18" name="Picture 17"/>
+          <p:cNvPicPr>
+            <a:picLocks noChangeAspect="1"/>
+          </p:cNvPicPr>
+          <p:nvPr/>
+        </p:nvPicPr>
+        <p:blipFill>
+          <a:blip r:embed="rId20"/>
+          <a:stretch>
+            <a:fillRect/>
+          </a:stretch>
+        </p:blipFill>
+        <p:spPr>
+          <a:xfrm>
+            <a:off x="18460185" y="11665795"/>
+            <a:ext cx="7353300" cy="4648200"/>
+          </a:xfrm>
+          <a:prstGeom prst="rect">
+            <a:avLst/>
+          </a:prstGeom>
+        </p:spPr>
+      </p:pic>
     </p:spTree>
     <p:extLst>
       <p:ext uri="{BB962C8B-B14F-4D97-AF65-F5344CB8AC3E}">
@@ -5327,6 +5338,24 @@
 </file>
 
 <file path=customXml/item1.xml><?xml version="1.0" encoding="utf-8"?>
+<p:properties xmlns:p="http://schemas.microsoft.com/office/2006/metadata/properties" xmlns:xsi="http://www.w3.org/2001/XMLSchema-instance" xmlns:pc="http://schemas.microsoft.com/office/infopath/2007/PartnerControls">
+  <documentManagement>
+    <_Version xmlns="http://schemas.microsoft.com/sharepoint/v3/fields" xsi:nil="true"/>
+    <_Status xmlns="http://schemas.microsoft.com/sharepoint/v3/fields">Not Started</_Status>
+  </documentManagement>
+</p:properties>
+</file>
+
+<file path=customXml/item2.xml><?xml version="1.0" encoding="utf-8"?>
+<?mso-contentType ?>
+<FormTemplates xmlns="http://schemas.microsoft.com/sharepoint/v3/contenttype/forms">
+  <Display>DocumentLibraryForm</Display>
+  <Edit>DocumentLibraryForm</Edit>
+  <New>DocumentLibraryForm</New>
+</FormTemplates>
+</file>
+
+<file path=customXml/item3.xml><?xml version="1.0" encoding="utf-8"?>
 <ct:contentTypeSchema xmlns:ct="http://schemas.microsoft.com/office/2006/metadata/contentType" xmlns:ma="http://schemas.microsoft.com/office/2006/metadata/properties/metaAttributes" ct:_="" ma:_="" ma:contentTypeName="Document" ma:contentTypeID="0x0101000DE64AEEDD9B7A4D93545ACBE97D4615" ma:contentTypeVersion="2" ma:contentTypeDescription="Create a new document." ma:contentTypeScope="" ma:versionID="f49002b78e3a4a71b814eef46a983816">
   <xsd:schema xmlns:xsd="http://www.w3.org/2001/XMLSchema" xmlns:xs="http://www.w3.org/2001/XMLSchema" xmlns:p="http://schemas.microsoft.com/office/2006/metadata/properties" xmlns:ns2="http://schemas.microsoft.com/sharepoint/v3/fields" targetNamespace="http://schemas.microsoft.com/office/2006/metadata/properties" ma:root="true" ma:fieldsID="38f6db2dd0d9a0cf6a8dc37be32b365b" ns2:_="">
     <xsd:import namespace="http://schemas.microsoft.com/sharepoint/v3/fields"/>
@@ -5470,25 +5499,31 @@
 </ct:contentTypeSchema>
 </file>
 
-<file path=customXml/item2.xml><?xml version="1.0" encoding="utf-8"?>
-<?mso-contentType ?>
-<FormTemplates xmlns="http://schemas.microsoft.com/sharepoint/v3/contenttype/forms">
-  <Display>DocumentLibraryForm</Display>
-  <Edit>DocumentLibraryForm</Edit>
-  <New>DocumentLibraryForm</New>
-</FormTemplates>
+<file path=customXml/itemProps1.xml><?xml version="1.0" encoding="utf-8"?>
+<ds:datastoreItem xmlns:ds="http://schemas.openxmlformats.org/officeDocument/2006/customXml" ds:itemID="{7B6F2769-7194-4217-93D3-3AF3A4742282}">
+  <ds:schemaRefs>
+    <ds:schemaRef ds:uri="http://purl.org/dc/elements/1.1/"/>
+    <ds:schemaRef ds:uri="http://schemas.microsoft.com/office/2006/metadata/properties"/>
+    <ds:schemaRef ds:uri="http://purl.org/dc/terms/"/>
+    <ds:schemaRef ds:uri="http://schemas.openxmlformats.org/package/2006/metadata/core-properties"/>
+    <ds:schemaRef ds:uri="http://schemas.microsoft.com/office/2006/documentManagement/types"/>
+    <ds:schemaRef ds:uri="http://schemas.microsoft.com/office/infopath/2007/PartnerControls"/>
+    <ds:schemaRef ds:uri="http://schemas.microsoft.com/sharepoint/v3/fields"/>
+    <ds:schemaRef ds:uri="http://www.w3.org/XML/1998/namespace"/>
+    <ds:schemaRef ds:uri="http://purl.org/dc/dcmitype/"/>
+  </ds:schemaRefs>
+</ds:datastoreItem>
 </file>
 
-<file path=customXml/item3.xml><?xml version="1.0" encoding="utf-8"?>
-<p:properties xmlns:p="http://schemas.microsoft.com/office/2006/metadata/properties" xmlns:xsi="http://www.w3.org/2001/XMLSchema-instance" xmlns:pc="http://schemas.microsoft.com/office/infopath/2007/PartnerControls">
-  <documentManagement>
-    <_Version xmlns="http://schemas.microsoft.com/sharepoint/v3/fields" xsi:nil="true"/>
-    <_Status xmlns="http://schemas.microsoft.com/sharepoint/v3/fields">Not Started</_Status>
-  </documentManagement>
-</p:properties>
+<file path=customXml/itemProps2.xml><?xml version="1.0" encoding="utf-8"?>
+<ds:datastoreItem xmlns:ds="http://schemas.openxmlformats.org/officeDocument/2006/customXml" ds:itemID="{87D2A1B0-FF3E-4009-940D-AED0EB70AA20}">
+  <ds:schemaRefs>
+    <ds:schemaRef ds:uri="http://schemas.microsoft.com/sharepoint/v3/contenttype/forms"/>
+  </ds:schemaRefs>
+</ds:datastoreItem>
 </file>
 
-<file path=customXml/itemProps1.xml><?xml version="1.0" encoding="utf-8"?>
+<file path=customXml/itemProps3.xml><?xml version="1.0" encoding="utf-8"?>
 <ds:datastoreItem xmlns:ds="http://schemas.openxmlformats.org/officeDocument/2006/customXml" ds:itemID="{E4214858-785C-42F7-BE66-6D0E79395FC8}">
   <ds:schemaRefs>
     <ds:schemaRef ds:uri="http://schemas.microsoft.com/office/2006/metadata/contentType"/>
@@ -5504,28 +5539,4 @@
     <ds:schemaRef ds:uri="http://schemas.microsoft.com/internal/obd"/>
   </ds:schemaRefs>
 </ds:datastoreItem>
-</file>
-
-<file path=customXml/itemProps2.xml><?xml version="1.0" encoding="utf-8"?>
-<ds:datastoreItem xmlns:ds="http://schemas.openxmlformats.org/officeDocument/2006/customXml" ds:itemID="{87D2A1B0-FF3E-4009-940D-AED0EB70AA20}">
-  <ds:schemaRefs>
-    <ds:schemaRef ds:uri="http://schemas.microsoft.com/sharepoint/v3/contenttype/forms"/>
-  </ds:schemaRefs>
-</ds:datastoreItem>
-</file>
-
-<file path=customXml/itemProps3.xml><?xml version="1.0" encoding="utf-8"?>
-<ds:datastoreItem xmlns:ds="http://schemas.openxmlformats.org/officeDocument/2006/customXml" ds:itemID="{7B6F2769-7194-4217-93D3-3AF3A4742282}">
-  <ds:schemaRefs>
-    <ds:schemaRef ds:uri="http://purl.org/dc/elements/1.1/"/>
-    <ds:schemaRef ds:uri="http://schemas.microsoft.com/office/2006/metadata/properties"/>
-    <ds:schemaRef ds:uri="http://purl.org/dc/terms/"/>
-    <ds:schemaRef ds:uri="http://schemas.openxmlformats.org/package/2006/metadata/core-properties"/>
-    <ds:schemaRef ds:uri="http://schemas.microsoft.com/office/2006/documentManagement/types"/>
-    <ds:schemaRef ds:uri="http://schemas.microsoft.com/office/infopath/2007/PartnerControls"/>
-    <ds:schemaRef ds:uri="http://schemas.microsoft.com/sharepoint/v3/fields"/>
-    <ds:schemaRef ds:uri="http://www.w3.org/XML/1998/namespace"/>
-    <ds:schemaRef ds:uri="http://purl.org/dc/dcmitype/"/>
-  </ds:schemaRefs>
-</ds:datastoreItem>
 </file>
--- a/Documentation/Poster.pptx
+++ b/Documentation/Poster.pptx
@@ -2861,6 +2861,8 @@
                     </a:srgbClr>
                   </a:outerShdw>
                 </a:effectLst>
+                <a:latin typeface="Calibri" panose="020F0502020204030204" pitchFamily="34" charset="0"/>
+                <a:cs typeface="Calibri" panose="020F0502020204030204" pitchFamily="34" charset="0"/>
               </a:rPr>
               <a:t>Introduction</a:t>
             </a:r>
@@ -2912,7 +2914,33 @@
                   </a:outerShdw>
                 </a:effectLst>
               </a:rPr>
-              <a:t>Data description </a:t>
+              <a:t>Data </a:t>
+            </a:r>
+            <a:r>
+              <a:rPr lang="en-US" dirty="0">
+                <a:effectLst>
+                  <a:outerShdw blurRad="38100" dist="38100" dir="2700000" algn="tl">
+                    <a:srgbClr val="000000">
+                      <a:alpha val="43137"/>
+                    </a:srgbClr>
+                  </a:outerShdw>
+                </a:effectLst>
+                <a:latin typeface="Calibri" panose="020F0502020204030204" pitchFamily="34" charset="0"/>
+                <a:cs typeface="Calibri" panose="020F0502020204030204" pitchFamily="34" charset="0"/>
+              </a:rPr>
+              <a:t>description</a:t>
+            </a:r>
+            <a:r>
+              <a:rPr lang="en-US" dirty="0">
+                <a:effectLst>
+                  <a:outerShdw blurRad="38100" dist="38100" dir="2700000" algn="tl">
+                    <a:srgbClr val="000000">
+                      <a:alpha val="43137"/>
+                    </a:srgbClr>
+                  </a:outerShdw>
+                </a:effectLst>
+              </a:rPr>
+              <a:t> </a:t>
             </a:r>
           </a:p>
         </p:txBody>
@@ -2954,11 +2982,18 @@
           <a:p>
             <a:r>
               <a:rPr lang="en-IN" dirty="0">
+                <a:effectLst>
+                  <a:outerShdw blurRad="38100" dist="38100" dir="2700000" algn="tl">
+                    <a:srgbClr val="000000">
+                      <a:alpha val="43137"/>
+                    </a:srgbClr>
+                  </a:outerShdw>
+                </a:effectLst>
                 <a:latin typeface="Calibri" panose="020F0502020204030204" pitchFamily="34" charset="0"/>
                 <a:ea typeface="Calibri" panose="020F0502020204030204" pitchFamily="34" charset="0"/>
                 <a:cs typeface="Times New Roman" panose="02020603050405020304" pitchFamily="18" charset="0"/>
               </a:rPr>
-              <a:t>MLC and BMA</a:t>
+              <a:t>Classification Methodology MLC and BMA</a:t>
             </a:r>
             <a:endParaRPr lang="en-US" dirty="0">
               <a:effectLst>
@@ -3016,6 +3051,8 @@
                     </a:srgbClr>
                   </a:outerShdw>
                 </a:effectLst>
+                <a:latin typeface="Calibri" panose="020F0502020204030204" pitchFamily="34" charset="0"/>
+                <a:cs typeface="Calibri" panose="020F0502020204030204" pitchFamily="34" charset="0"/>
               </a:rPr>
               <a:t>Results</a:t>
             </a:r>
@@ -3053,7 +3090,11 @@
               <a:defRPr lang="en-US"/>
             </a:defPPr>
             <a:lvl1pPr>
-              <a:defRPr sz="5500" b="1"/>
+              <a:defRPr sz="5500" b="1">
+                <a:latin typeface="Calibri" panose="020F0502020204030204" pitchFamily="34" charset="0"/>
+                <a:ea typeface="Calibri" panose="020F0502020204030204" pitchFamily="34" charset="0"/>
+                <a:cs typeface="Times New Roman" panose="02020603050405020304" pitchFamily="18" charset="0"/>
+              </a:defRPr>
             </a:lvl1pPr>
           </a:lstStyle>
           <a:p>
@@ -3067,7 +3108,7 @@
                   </a:outerShdw>
                 </a:effectLst>
               </a:rPr>
-              <a:t>Parameter choices</a:t>
+              <a:t>Challenges &amp; Outcomes</a:t>
             </a:r>
           </a:p>
         </p:txBody>
@@ -3103,12 +3144,7 @@
               <a:defRPr lang="en-US"/>
             </a:defPPr>
             <a:lvl1pPr>
-              <a:defRPr sz="5500" b="1"/>
-            </a:lvl1pPr>
-          </a:lstStyle>
-          <a:p>
-            <a:r>
-              <a:rPr lang="en-US" dirty="0">
+              <a:defRPr sz="5500" b="1">
                 <a:effectLst>
                   <a:outerShdw blurRad="38100" dist="38100" dir="2700000" algn="tl">
                     <a:srgbClr val="000000">
@@ -3116,7 +3152,14 @@
                     </a:srgbClr>
                   </a:outerShdw>
                 </a:effectLst>
-              </a:rPr>
+                <a:latin typeface="Calibri" panose="020F0502020204030204" pitchFamily="34" charset="0"/>
+                <a:cs typeface="Calibri" panose="020F0502020204030204" pitchFamily="34" charset="0"/>
+              </a:defRPr>
+            </a:lvl1pPr>
+          </a:lstStyle>
+          <a:p>
+            <a:r>
+              <a:rPr lang="en-US" dirty="0"/>
               <a:t>Conclusions</a:t>
             </a:r>
           </a:p>
@@ -3166,6 +3209,8 @@
                     </a:srgbClr>
                   </a:outerShdw>
                 </a:effectLst>
+                <a:latin typeface="Calibri" panose="020F0502020204030204" pitchFamily="34" charset="0"/>
+                <a:cs typeface="Calibri" panose="020F0502020204030204" pitchFamily="34" charset="0"/>
               </a:rPr>
               <a:t>References</a:t>
             </a:r>
@@ -3180,8 +3225,8 @@
         </p:nvSpPr>
         <p:spPr>
           <a:xfrm>
-            <a:off x="975072" y="4606678"/>
-            <a:ext cx="10988866" cy="13222530"/>
+            <a:off x="1004851" y="4549841"/>
+            <a:ext cx="10988866" cy="14248324"/>
           </a:xfrm>
           <a:prstGeom prst="rect">
             <a:avLst/>
@@ -3194,7 +3239,7 @@
           </a:bodyPr>
           <a:lstStyle/>
           <a:p>
-            <a:pPr marL="342900" indent="-342900">
+            <a:pPr marL="342900" indent="-342900" algn="just">
               <a:buFont typeface="Arial" panose="020B0604020202020204" pitchFamily="34" charset="0"/>
               <a:buChar char="•"/>
             </a:pPr>
@@ -3204,7 +3249,7 @@
             </a:r>
           </a:p>
           <a:p>
-            <a:pPr marL="342900" indent="-342900">
+            <a:pPr marL="342900" indent="-342900" algn="just">
               <a:buFont typeface="Arial" panose="020B0604020202020204" pitchFamily="34" charset="0"/>
               <a:buChar char="•"/>
             </a:pPr>
@@ -3215,7 +3260,7 @@
             <a:endParaRPr lang="en-US" sz="3333" dirty="0"/>
           </a:p>
           <a:p>
-            <a:pPr marL="342900" indent="-342900">
+            <a:pPr marL="342900" indent="-342900" algn="just">
               <a:buFont typeface="Arial" panose="020B0604020202020204" pitchFamily="34" charset="0"/>
               <a:buChar char="•"/>
             </a:pPr>
@@ -3262,15 +3307,7 @@
             </a:pPr>
             <a:r>
               <a:rPr lang="en-IN" sz="3333" dirty="0"/>
-              <a:t>Hence, it becomes necessary to </a:t>
-            </a:r>
-            <a:r>
-              <a:rPr lang="en-IN" sz="3333" dirty="0" err="1"/>
-              <a:t>studyanalyse</a:t>
-            </a:r>
-            <a:r>
-              <a:rPr lang="en-IN" sz="3333" dirty="0"/>
-              <a:t> data from various seasons to improve the classification results. Using multitemporal data, this error can be reduced as it enables us to consider changing spectral signatures of same class over different images. </a:t>
+              <a:t>Hence, it becomes necessary to study and analyse data from various seasons to improve the classification results. Using multitemporal data, this error can be reduced as it enables us to consider changing spectral signatures of same class over different images. </a:t>
             </a:r>
           </a:p>
           <a:p>
@@ -3294,7 +3331,7 @@
         <p:spPr>
           <a:xfrm>
             <a:off x="26689933" y="5206802"/>
-            <a:ext cx="7614336" cy="8298682"/>
+            <a:ext cx="8660280" cy="6759992"/>
           </a:xfrm>
           <a:prstGeom prst="rect">
             <a:avLst/>
@@ -3380,7 +3417,7 @@
         <p:spPr>
           <a:xfrm>
             <a:off x="963932" y="18962889"/>
-            <a:ext cx="10806229" cy="7272888"/>
+            <a:ext cx="10806229" cy="6759992"/>
           </a:xfrm>
           <a:prstGeom prst="rect">
             <a:avLst/>
@@ -3393,56 +3430,47 @@
           </a:bodyPr>
           <a:lstStyle/>
           <a:p>
-            <a:pPr marL="342900" indent="-342900">
+            <a:pPr marL="342900" indent="-342900" algn="just">
               <a:buFont typeface="Arial" panose="020B0604020202020204" pitchFamily="34" charset="0"/>
               <a:buChar char="•"/>
             </a:pPr>
             <a:r>
               <a:rPr lang="en-US" sz="3333" dirty="0"/>
-              <a:t>Data Images used for the project , 4 Landsat 8 ETM 30m X 30m images of Bangalore city, India.</a:t>
-            </a:r>
-          </a:p>
-          <a:p>
-            <a:pPr marL="342900" indent="-342900">
+              <a:t>Data Images - 4 Landsat 30m X 30m resolution images of Bangalore city, India.</a:t>
+            </a:r>
+          </a:p>
+          <a:p>
+            <a:pPr marL="342900" indent="-342900" algn="just">
               <a:buFont typeface="Arial" panose="020B0604020202020204" pitchFamily="34" charset="0"/>
               <a:buChar char="•"/>
             </a:pPr>
             <a:r>
               <a:rPr lang="en-IN" sz="3333" dirty="0"/>
-              <a:t>We identified 4 classes in these images, open land, buildings, vegetation and water bodies</a:t>
-            </a:r>
-          </a:p>
-          <a:p>
-            <a:pPr marL="342900" indent="-342900">
+              <a:t>We identified 4 major classes in these images, open land, buildings, vegetation and water bodies.</a:t>
+            </a:r>
+          </a:p>
+          <a:p>
+            <a:pPr marL="342900" indent="-342900" algn="just">
               <a:buFont typeface="Arial" panose="020B0604020202020204" pitchFamily="34" charset="0"/>
               <a:buChar char="•"/>
             </a:pPr>
             <a:r>
               <a:rPr lang="en-IN" sz="3333" dirty="0"/>
-              <a:t>178 points are randomly selected as training data and kept remaining as accuracy testing data.</a:t>
-            </a:r>
-          </a:p>
-          <a:p>
-            <a:pPr marL="342900" indent="-342900">
+              <a:t>177 points are randomly selected as training data and remaining as accuracy testing data. </a:t>
+            </a:r>
+          </a:p>
+          <a:p>
+            <a:pPr marL="342900" indent="-342900" algn="just">
               <a:buFont typeface="Arial" panose="020B0604020202020204" pitchFamily="34" charset="0"/>
               <a:buChar char="•"/>
             </a:pPr>
             <a:r>
               <a:rPr lang="en-IN" sz="3333" dirty="0"/>
-              <a:t>We observed a fact that band 8 has very less classification capability. </a:t>
-            </a:r>
-          </a:p>
-          <a:p>
-            <a:pPr marL="342900" indent="-342900">
-              <a:buFont typeface="Arial" panose="020B0604020202020204" pitchFamily="34" charset="0"/>
-              <a:buChar char="•"/>
-            </a:pPr>
-            <a:r>
-              <a:rPr lang="en-IN" sz="3333" dirty="0"/>
-              <a:t>To confirm this fact, we calculated correlation between every pair of the bands.</a:t>
-            </a:r>
-          </a:p>
-          <a:p>
+              <a:t>We analysed the density plot and found the data follows Gaussian distribution and hence MLC was a natural choice of classifier.</a:t>
+            </a:r>
+          </a:p>
+          <a:p>
+            <a:pPr algn="just"/>
             <a:endParaRPr lang="en-IN" sz="3333" dirty="0"/>
           </a:p>
           <a:p>
@@ -3465,7 +3493,7 @@
         <p:spPr>
           <a:xfrm>
             <a:off x="12456022" y="4606678"/>
-            <a:ext cx="13263248" cy="7580665"/>
+            <a:ext cx="13263248" cy="7272888"/>
           </a:xfrm>
           <a:prstGeom prst="rect">
             <a:avLst/>
@@ -3478,17 +3506,21 @@
           </a:bodyPr>
           <a:lstStyle/>
           <a:p>
-            <a:pPr marL="342900" indent="-342900">
+            <a:pPr marL="342900" indent="-342900" algn="just">
               <a:buFont typeface="Arial" panose="020B0604020202020204" pitchFamily="34" charset="0"/>
               <a:buChar char="•"/>
             </a:pPr>
             <a:r>
+              <a:rPr lang="en-IN" sz="3333" b="1" dirty="0"/>
+              <a:t>What is MLC?</a:t>
+            </a:r>
+            <a:r>
               <a:rPr lang="en-IN" sz="3333" dirty="0"/>
-              <a:t>MLC is the initial classification algorithm. MLC uses prior information about the expected distribution of classes in final classification stage. This prior information is used for weighing the classes as per their expected distribution in output dataset.</a:t>
-            </a:r>
-          </a:p>
-          <a:p>
-            <a:pPr marL="342900" indent="-342900">
+              <a:t> MLC is the base classification algorithm. MLC uses class prior which is multiplied to the likelihood of the data to get the posterior probability. Finally, Maximum posterior probability is assigned. </a:t>
+            </a:r>
+          </a:p>
+          <a:p>
+            <a:pPr marL="342900" indent="-342900" algn="just">
               <a:buFont typeface="Arial" panose="020B0604020202020204" pitchFamily="34" charset="0"/>
               <a:buChar char="•"/>
             </a:pPr>
@@ -3498,7 +3530,7 @@
             </a:r>
           </a:p>
           <a:p>
-            <a:pPr marL="342900" indent="-342900">
+            <a:pPr marL="342900" indent="-342900" algn="just">
               <a:buFont typeface="Arial" panose="020B0604020202020204" pitchFamily="34" charset="0"/>
               <a:buChar char="•"/>
             </a:pPr>
@@ -3508,105 +3540,19 @@
             </a:r>
           </a:p>
           <a:p>
-            <a:pPr marL="342900" indent="-342900">
+            <a:pPr marL="342900" indent="-342900" algn="just">
               <a:buFont typeface="Arial" panose="020B0604020202020204" pitchFamily="34" charset="0"/>
               <a:buChar char="•"/>
             </a:pPr>
             <a:r>
+              <a:rPr lang="en-US" sz="3333" b="1" dirty="0"/>
+              <a:t>What is BMA? </a:t>
+            </a:r>
+            <a:r>
               <a:rPr lang="en-US" sz="3333" dirty="0"/>
-              <a:t>In BMA, parameter uncertainty is modelled through the prior distribution, uncertainty obtaining posterior parameter and model posteriors using Bayes’ theorem which allows to do direct model selection, combined estimation and prediction. </a:t>
-            </a:r>
-          </a:p>
-          <a:p>
-            <a:pPr marL="342900" indent="-342900">
-              <a:buFont typeface="Arial" panose="020B0604020202020204" pitchFamily="34" charset="0"/>
-              <a:buChar char="•"/>
-            </a:pPr>
-            <a:endParaRPr lang="en-US" sz="3333" dirty="0"/>
-          </a:p>
-          <a:p>
-            <a:pPr marL="342900" indent="-342900">
-              <a:buFont typeface="Arial" panose="020B0604020202020204" pitchFamily="34" charset="0"/>
-              <a:buChar char="•"/>
-            </a:pPr>
+              <a:t>Every classifier is assigned a weight based on its performance on the validation data, then input is given to all classifiers and probability output is multiplied by respective weights,. This output of all the classifiers is averaged and maximum posterior probability is assigned as class label.</a:t>
+            </a:r>
             <a:endParaRPr lang="en-US" sz="2000" dirty="0"/>
-          </a:p>
-        </p:txBody>
-      </p:sp>
-      <p:sp>
-        <p:nvSpPr>
-          <p:cNvPr id="36" name="TextBox 35"/>
-          <p:cNvSpPr txBox="1"/>
-          <p:nvPr/>
-        </p:nvSpPr>
-        <p:spPr>
-          <a:xfrm>
-            <a:off x="12516506" y="23229016"/>
-            <a:ext cx="13263248" cy="6247095"/>
-          </a:xfrm>
-          <a:prstGeom prst="rect">
-            <a:avLst/>
-          </a:prstGeom>
-          <a:noFill/>
-        </p:spPr>
-        <p:txBody>
-          <a:bodyPr wrap="square" rtlCol="0">
-            <a:spAutoFit/>
-          </a:bodyPr>
-          <a:lstStyle/>
-          <a:p>
-            <a:r>
-              <a:rPr lang="en-US" sz="3333" dirty="0"/>
-              <a:t>&lt;diagrams showing the results of your method&gt;</a:t>
-            </a:r>
-          </a:p>
-          <a:p>
-            <a:r>
-              <a:rPr lang="en-US" sz="3333" dirty="0"/>
-              <a:t>(For example,</a:t>
-            </a:r>
-          </a:p>
-          <a:p>
-            <a:pPr marL="714346" indent="-714346">
-              <a:buAutoNum type="romanLcParenBoth"/>
-            </a:pPr>
-            <a:r>
-              <a:rPr lang="en-US" sz="3333" dirty="0"/>
-              <a:t>For CNNs for classification, true positive, one false positive, one false negative. Learning curves for loss vs. number of iterations, training and testing accuracies vs. number of iterations.</a:t>
-            </a:r>
-          </a:p>
-          <a:p>
-            <a:pPr marL="714346" indent="-714346">
-              <a:buAutoNum type="romanLcParenBoth"/>
-            </a:pPr>
-            <a:r>
-              <a:rPr lang="en-US" sz="3333" dirty="0"/>
-              <a:t>For GMMs, a portion of the image (original and classified) that the method found hard to discriminate. </a:t>
-            </a:r>
-          </a:p>
-          <a:p>
-            <a:pPr marL="714346" indent="-714346">
-              <a:buAutoNum type="romanLcParenBoth"/>
-            </a:pPr>
-            <a:r>
-              <a:rPr lang="en-US" sz="3333" dirty="0"/>
-              <a:t>Table with performance of different methods under some accuracy measure.</a:t>
-            </a:r>
-          </a:p>
-          <a:p>
-            <a:pPr marL="714346" indent="-714346">
-              <a:buAutoNum type="romanLcParenBoth"/>
-            </a:pPr>
-            <a:r>
-              <a:rPr lang="en-US" sz="3333" dirty="0"/>
-              <a:t>Performance (qualitative or quantitative) of your methods under different parameter settings.)</a:t>
-            </a:r>
-          </a:p>
-          <a:p>
-            <a:pPr marL="714346" indent="-714346">
-              <a:buAutoNum type="romanLcParenBoth"/>
-            </a:pPr>
-            <a:endParaRPr lang="en-US" sz="3333" dirty="0"/>
           </a:p>
         </p:txBody>
       </p:sp>
@@ -3644,12 +3590,12 @@
               <a:rPr lang="en-US" sz="2000" dirty="0">
                 <a:hlinkClick r:id="rId7"/>
               </a:rPr>
-              <a:t>https://github.ncsu.edu/svshahan/Multi-Temporal-Classification</a:t>
+              <a:t>https://github.ncsu.edu/ppnawath/Multi-temporal-Classification-of-satellite-images</a:t>
             </a:r>
             <a:endParaRPr lang="en-US" sz="2000" dirty="0"/>
           </a:p>
           <a:p>
-            <a:pPr marL="457200" lvl="0" indent="-457200">
+            <a:pPr marL="514350" indent="-514350">
               <a:buFont typeface="+mj-lt"/>
               <a:buAutoNum type="arabicPeriod"/>
             </a:pPr>
@@ -3814,7 +3760,7 @@
       </p:sp>
       <p:pic>
         <p:nvPicPr>
-          <p:cNvPr id="9" name="Picture 8"/>
+          <p:cNvPr id="32" name="Picture 31"/>
           <p:cNvPicPr>
             <a:picLocks noChangeAspect="1"/>
           </p:cNvPicPr>
@@ -3822,750 +3768,6 @@
         </p:nvPicPr>
         <p:blipFill>
           <a:blip r:embed="rId15"/>
-          <a:stretch>
-            <a:fillRect/>
-          </a:stretch>
-        </p:blipFill>
-        <p:spPr>
-          <a:xfrm>
-            <a:off x="1334276" y="24482913"/>
-            <a:ext cx="6071230" cy="4424972"/>
-          </a:xfrm>
-          <a:prstGeom prst="rect">
-            <a:avLst/>
-          </a:prstGeom>
-        </p:spPr>
-      </p:pic>
-      <p:graphicFrame>
-        <p:nvGraphicFramePr>
-          <p:cNvPr id="20" name="Table 19"/>
-          <p:cNvGraphicFramePr>
-            <a:graphicFrameLocks noGrp="1"/>
-          </p:cNvGraphicFramePr>
-          <p:nvPr>
-            <p:extLst>
-              <p:ext uri="{D42A27DB-BD31-4B8C-83A1-F6EECF244321}">
-                <p14:modId xmlns:p14="http://schemas.microsoft.com/office/powerpoint/2010/main" val="2701831699"/>
-              </p:ext>
-            </p:extLst>
-          </p:nvPr>
-        </p:nvGraphicFramePr>
-        <p:xfrm>
-          <a:off x="7710784" y="24779411"/>
-          <a:ext cx="3622963" cy="3986102"/>
-        </p:xfrm>
-        <a:graphic>
-          <a:graphicData uri="http://schemas.openxmlformats.org/drawingml/2006/table">
-            <a:tbl>
-              <a:tblPr firstRow="1" bandRow="1">
-                <a:tableStyleId>{7E9639D4-E3E2-4D34-9284-5A2195B3D0D7}</a:tableStyleId>
-              </a:tblPr>
-              <a:tblGrid>
-                <a:gridCol w="2203237">
-                  <a:extLst>
-                    <a:ext uri="{9D8B030D-6E8A-4147-A177-3AD203B41FA5}">
-                      <a16:colId xmlns:a16="http://schemas.microsoft.com/office/drawing/2014/main" val="1151029015"/>
-                    </a:ext>
-                  </a:extLst>
-                </a:gridCol>
-                <a:gridCol w="1419726">
-                  <a:extLst>
-                    <a:ext uri="{9D8B030D-6E8A-4147-A177-3AD203B41FA5}">
-                      <a16:colId xmlns:a16="http://schemas.microsoft.com/office/drawing/2014/main" val="1487520004"/>
-                    </a:ext>
-                  </a:extLst>
-                </a:gridCol>
-              </a:tblGrid>
-              <a:tr h="478997">
-                <a:tc>
-                  <a:txBody>
-                    <a:bodyPr/>
-                    <a:lstStyle/>
-                    <a:p>
-                      <a:pPr marL="0" marR="0" algn="ctr">
-                        <a:lnSpc>
-                          <a:spcPct val="107000"/>
-                        </a:lnSpc>
-                        <a:spcBef>
-                          <a:spcPts val="0"/>
-                        </a:spcBef>
-                        <a:spcAft>
-                          <a:spcPts val="800"/>
-                        </a:spcAft>
-                      </a:pPr>
-                      <a:r>
-                        <a:rPr lang="en-IN" sz="1800" kern="1200" dirty="0">
-                          <a:solidFill>
-                            <a:schemeClr val="bg1"/>
-                          </a:solidFill>
-                          <a:effectLst/>
-                          <a:latin typeface="Calibri" panose="020F0502020204030204" pitchFamily="34" charset="0"/>
-                          <a:ea typeface="Calibri" panose="020F0502020204030204" pitchFamily="34" charset="0"/>
-                          <a:cs typeface="Times New Roman" panose="02020603050405020304" pitchFamily="18" charset="0"/>
-                        </a:rPr>
-                        <a:t>Bands</a:t>
-                      </a:r>
-                      <a:endParaRPr lang="en-US" sz="1800" kern="1200" dirty="0">
-                        <a:solidFill>
-                          <a:schemeClr val="bg1"/>
-                        </a:solidFill>
-                        <a:effectLst/>
-                        <a:latin typeface="Calibri" panose="020F0502020204030204" pitchFamily="34" charset="0"/>
-                        <a:ea typeface="Calibri" panose="020F0502020204030204" pitchFamily="34" charset="0"/>
-                        <a:cs typeface="Times New Roman" panose="02020603050405020304" pitchFamily="18" charset="0"/>
-                      </a:endParaRPr>
-                    </a:p>
-                  </a:txBody>
-                  <a:tcPr marL="63500" marR="63500" marT="63500" marB="63500"/>
-                </a:tc>
-                <a:tc>
-                  <a:txBody>
-                    <a:bodyPr/>
-                    <a:lstStyle/>
-                    <a:p>
-                      <a:pPr marL="0" marR="0" algn="ctr">
-                        <a:lnSpc>
-                          <a:spcPct val="107000"/>
-                        </a:lnSpc>
-                        <a:spcBef>
-                          <a:spcPts val="0"/>
-                        </a:spcBef>
-                        <a:spcAft>
-                          <a:spcPts val="800"/>
-                        </a:spcAft>
-                      </a:pPr>
-                      <a:r>
-                        <a:rPr lang="en-IN" sz="1800" kern="1200" dirty="0">
-                          <a:solidFill>
-                            <a:schemeClr val="bg1"/>
-                          </a:solidFill>
-                          <a:effectLst/>
-                          <a:latin typeface="Calibri" panose="020F0502020204030204" pitchFamily="34" charset="0"/>
-                          <a:ea typeface="Calibri" panose="020F0502020204030204" pitchFamily="34" charset="0"/>
-                          <a:cs typeface="Times New Roman" panose="02020603050405020304" pitchFamily="18" charset="0"/>
-                        </a:rPr>
-                        <a:t>Correlation</a:t>
-                      </a:r>
-                      <a:endParaRPr lang="en-US" sz="1800" kern="1200" dirty="0">
-                        <a:solidFill>
-                          <a:schemeClr val="bg1"/>
-                        </a:solidFill>
-                        <a:effectLst/>
-                        <a:latin typeface="Calibri" panose="020F0502020204030204" pitchFamily="34" charset="0"/>
-                        <a:ea typeface="Calibri" panose="020F0502020204030204" pitchFamily="34" charset="0"/>
-                        <a:cs typeface="Times New Roman" panose="02020603050405020304" pitchFamily="18" charset="0"/>
-                      </a:endParaRPr>
-                    </a:p>
-                  </a:txBody>
-                  <a:tcPr marL="63500" marR="63500" marT="63500" marB="63500"/>
-                </a:tc>
-                <a:extLst>
-                  <a:ext uri="{0D108BD9-81ED-4DB2-BD59-A6C34878D82A}">
-                    <a16:rowId xmlns:a16="http://schemas.microsoft.com/office/drawing/2014/main" val="3404141"/>
-                  </a:ext>
-                </a:extLst>
-              </a:tr>
-              <a:tr h="478997">
-                <a:tc>
-                  <a:txBody>
-                    <a:bodyPr/>
-                    <a:lstStyle/>
-                    <a:p>
-                      <a:pPr marL="0" marR="0" algn="just">
-                        <a:lnSpc>
-                          <a:spcPct val="107000"/>
-                        </a:lnSpc>
-                        <a:spcBef>
-                          <a:spcPts val="0"/>
-                        </a:spcBef>
-                        <a:spcAft>
-                          <a:spcPts val="800"/>
-                        </a:spcAft>
-                      </a:pPr>
-                      <a:r>
-                        <a:rPr lang="en-IN" sz="1800" dirty="0">
-                          <a:effectLst/>
-                          <a:latin typeface="Calibri" panose="020F0502020204030204" pitchFamily="34" charset="0"/>
-                          <a:ea typeface="Calibri" panose="020F0502020204030204" pitchFamily="34" charset="0"/>
-                          <a:cs typeface="Times New Roman" panose="02020603050405020304" pitchFamily="18" charset="0"/>
-                        </a:rPr>
-                        <a:t>Ultra-Blue and Blue</a:t>
-                      </a:r>
-                      <a:endParaRPr lang="en-US" sz="1800" dirty="0">
-                        <a:effectLst/>
-                        <a:latin typeface="Calibri" panose="020F0502020204030204" pitchFamily="34" charset="0"/>
-                        <a:ea typeface="Calibri" panose="020F0502020204030204" pitchFamily="34" charset="0"/>
-                        <a:cs typeface="Times New Roman" panose="02020603050405020304" pitchFamily="18" charset="0"/>
-                      </a:endParaRPr>
-                    </a:p>
-                  </a:txBody>
-                  <a:tcPr marL="63500" marR="63500" marT="63500" marB="63500"/>
-                </a:tc>
-                <a:tc>
-                  <a:txBody>
-                    <a:bodyPr/>
-                    <a:lstStyle/>
-                    <a:p>
-                      <a:pPr marL="0" marR="0" algn="just">
-                        <a:lnSpc>
-                          <a:spcPct val="107000"/>
-                        </a:lnSpc>
-                        <a:spcBef>
-                          <a:spcPts val="0"/>
-                        </a:spcBef>
-                        <a:spcAft>
-                          <a:spcPts val="800"/>
-                        </a:spcAft>
-                      </a:pPr>
-                      <a:r>
-                        <a:rPr lang="en-IN" sz="2400" baseline="0" dirty="0">
-                          <a:effectLst/>
-                          <a:latin typeface="Calibri" panose="020F0502020204030204" pitchFamily="34" charset="0"/>
-                          <a:ea typeface="Calibri" panose="020F0502020204030204" pitchFamily="34" charset="0"/>
-                          <a:cs typeface="Times New Roman" panose="02020603050405020304" pitchFamily="18" charset="0"/>
-                        </a:rPr>
-                        <a:t>0.99</a:t>
-                      </a:r>
-                      <a:endParaRPr lang="en-US" sz="2400" baseline="0" dirty="0">
-                        <a:effectLst/>
-                        <a:latin typeface="Calibri" panose="020F0502020204030204" pitchFamily="34" charset="0"/>
-                        <a:ea typeface="Calibri" panose="020F0502020204030204" pitchFamily="34" charset="0"/>
-                        <a:cs typeface="Times New Roman" panose="02020603050405020304" pitchFamily="18" charset="0"/>
-                      </a:endParaRPr>
-                    </a:p>
-                  </a:txBody>
-                  <a:tcPr marL="63500" marR="63500" marT="63500" marB="63500"/>
-                </a:tc>
-                <a:extLst>
-                  <a:ext uri="{0D108BD9-81ED-4DB2-BD59-A6C34878D82A}">
-                    <a16:rowId xmlns:a16="http://schemas.microsoft.com/office/drawing/2014/main" val="3354917046"/>
-                  </a:ext>
-                </a:extLst>
-              </a:tr>
-              <a:tr h="478997">
-                <a:tc>
-                  <a:txBody>
-                    <a:bodyPr/>
-                    <a:lstStyle/>
-                    <a:p>
-                      <a:pPr marL="0" marR="0" algn="just">
-                        <a:lnSpc>
-                          <a:spcPct val="107000"/>
-                        </a:lnSpc>
-                        <a:spcBef>
-                          <a:spcPts val="0"/>
-                        </a:spcBef>
-                        <a:spcAft>
-                          <a:spcPts val="800"/>
-                        </a:spcAft>
-                      </a:pPr>
-                      <a:r>
-                        <a:rPr lang="en-IN" sz="1800" dirty="0">
-                          <a:effectLst/>
-                          <a:latin typeface="Calibri" panose="020F0502020204030204" pitchFamily="34" charset="0"/>
-                          <a:ea typeface="Calibri" panose="020F0502020204030204" pitchFamily="34" charset="0"/>
-                          <a:cs typeface="Times New Roman" panose="02020603050405020304" pitchFamily="18" charset="0"/>
-                        </a:rPr>
-                        <a:t>Green and Blue</a:t>
-                      </a:r>
-                      <a:endParaRPr lang="en-US" sz="1800" dirty="0">
-                        <a:effectLst/>
-                        <a:latin typeface="Calibri" panose="020F0502020204030204" pitchFamily="34" charset="0"/>
-                        <a:ea typeface="Calibri" panose="020F0502020204030204" pitchFamily="34" charset="0"/>
-                        <a:cs typeface="Times New Roman" panose="02020603050405020304" pitchFamily="18" charset="0"/>
-                      </a:endParaRPr>
-                    </a:p>
-                  </a:txBody>
-                  <a:tcPr marL="63500" marR="63500" marT="63500" marB="63500"/>
-                </a:tc>
-                <a:tc>
-                  <a:txBody>
-                    <a:bodyPr/>
-                    <a:lstStyle/>
-                    <a:p>
-                      <a:pPr marL="0" marR="0" algn="just">
-                        <a:lnSpc>
-                          <a:spcPct val="107000"/>
-                        </a:lnSpc>
-                        <a:spcBef>
-                          <a:spcPts val="0"/>
-                        </a:spcBef>
-                        <a:spcAft>
-                          <a:spcPts val="800"/>
-                        </a:spcAft>
-                      </a:pPr>
-                      <a:r>
-                        <a:rPr lang="en-IN" sz="2400" baseline="0" dirty="0">
-                          <a:effectLst/>
-                          <a:latin typeface="Calibri" panose="020F0502020204030204" pitchFamily="34" charset="0"/>
-                          <a:ea typeface="Calibri" panose="020F0502020204030204" pitchFamily="34" charset="0"/>
-                          <a:cs typeface="Times New Roman" panose="02020603050405020304" pitchFamily="18" charset="0"/>
-                        </a:rPr>
-                        <a:t>0.80</a:t>
-                      </a:r>
-                      <a:endParaRPr lang="en-US" sz="2400" baseline="0" dirty="0">
-                        <a:effectLst/>
-                        <a:latin typeface="Calibri" panose="020F0502020204030204" pitchFamily="34" charset="0"/>
-                        <a:ea typeface="Calibri" panose="020F0502020204030204" pitchFamily="34" charset="0"/>
-                        <a:cs typeface="Times New Roman" panose="02020603050405020304" pitchFamily="18" charset="0"/>
-                      </a:endParaRPr>
-                    </a:p>
-                  </a:txBody>
-                  <a:tcPr marL="63500" marR="63500" marT="63500" marB="63500"/>
-                </a:tc>
-                <a:extLst>
-                  <a:ext uri="{0D108BD9-81ED-4DB2-BD59-A6C34878D82A}">
-                    <a16:rowId xmlns:a16="http://schemas.microsoft.com/office/drawing/2014/main" val="2582713904"/>
-                  </a:ext>
-                </a:extLst>
-              </a:tr>
-              <a:tr h="478997">
-                <a:tc>
-                  <a:txBody>
-                    <a:bodyPr/>
-                    <a:lstStyle/>
-                    <a:p>
-                      <a:pPr marL="0" marR="0" algn="just">
-                        <a:lnSpc>
-                          <a:spcPct val="107000"/>
-                        </a:lnSpc>
-                        <a:spcBef>
-                          <a:spcPts val="0"/>
-                        </a:spcBef>
-                        <a:spcAft>
-                          <a:spcPts val="800"/>
-                        </a:spcAft>
-                      </a:pPr>
-                      <a:r>
-                        <a:rPr lang="en-IN" sz="1800" dirty="0">
-                          <a:effectLst/>
-                          <a:latin typeface="Calibri" panose="020F0502020204030204" pitchFamily="34" charset="0"/>
-                          <a:ea typeface="Calibri" panose="020F0502020204030204" pitchFamily="34" charset="0"/>
-                          <a:cs typeface="Times New Roman" panose="02020603050405020304" pitchFamily="18" charset="0"/>
-                        </a:rPr>
-                        <a:t>Red and Green</a:t>
-                      </a:r>
-                      <a:endParaRPr lang="en-US" sz="1800" dirty="0">
-                        <a:effectLst/>
-                        <a:latin typeface="Calibri" panose="020F0502020204030204" pitchFamily="34" charset="0"/>
-                        <a:ea typeface="Calibri" panose="020F0502020204030204" pitchFamily="34" charset="0"/>
-                        <a:cs typeface="Times New Roman" panose="02020603050405020304" pitchFamily="18" charset="0"/>
-                      </a:endParaRPr>
-                    </a:p>
-                  </a:txBody>
-                  <a:tcPr marL="63500" marR="63500" marT="63500" marB="63500"/>
-                </a:tc>
-                <a:tc>
-                  <a:txBody>
-                    <a:bodyPr/>
-                    <a:lstStyle/>
-                    <a:p>
-                      <a:pPr marL="0" marR="0" algn="just">
-                        <a:lnSpc>
-                          <a:spcPct val="107000"/>
-                        </a:lnSpc>
-                        <a:spcBef>
-                          <a:spcPts val="0"/>
-                        </a:spcBef>
-                        <a:spcAft>
-                          <a:spcPts val="800"/>
-                        </a:spcAft>
-                      </a:pPr>
-                      <a:r>
-                        <a:rPr lang="en-IN" sz="2400" baseline="0" dirty="0">
-                          <a:effectLst/>
-                          <a:latin typeface="Calibri" panose="020F0502020204030204" pitchFamily="34" charset="0"/>
-                          <a:ea typeface="Calibri" panose="020F0502020204030204" pitchFamily="34" charset="0"/>
-                          <a:cs typeface="Times New Roman" panose="02020603050405020304" pitchFamily="18" charset="0"/>
-                        </a:rPr>
-                        <a:t>0.90</a:t>
-                      </a:r>
-                      <a:endParaRPr lang="en-US" sz="2400" baseline="0" dirty="0">
-                        <a:effectLst/>
-                        <a:latin typeface="Calibri" panose="020F0502020204030204" pitchFamily="34" charset="0"/>
-                        <a:ea typeface="Calibri" panose="020F0502020204030204" pitchFamily="34" charset="0"/>
-                        <a:cs typeface="Times New Roman" panose="02020603050405020304" pitchFamily="18" charset="0"/>
-                      </a:endParaRPr>
-                    </a:p>
-                  </a:txBody>
-                  <a:tcPr marL="63500" marR="63500" marT="63500" marB="63500"/>
-                </a:tc>
-                <a:extLst>
-                  <a:ext uri="{0D108BD9-81ED-4DB2-BD59-A6C34878D82A}">
-                    <a16:rowId xmlns:a16="http://schemas.microsoft.com/office/drawing/2014/main" val="1725447773"/>
-                  </a:ext>
-                </a:extLst>
-              </a:tr>
-              <a:tr h="478997">
-                <a:tc>
-                  <a:txBody>
-                    <a:bodyPr/>
-                    <a:lstStyle/>
-                    <a:p>
-                      <a:pPr marL="0" marR="0" algn="just">
-                        <a:lnSpc>
-                          <a:spcPct val="107000"/>
-                        </a:lnSpc>
-                        <a:spcBef>
-                          <a:spcPts val="0"/>
-                        </a:spcBef>
-                        <a:spcAft>
-                          <a:spcPts val="800"/>
-                        </a:spcAft>
-                      </a:pPr>
-                      <a:r>
-                        <a:rPr lang="en-IN" sz="1800" dirty="0">
-                          <a:effectLst/>
-                          <a:latin typeface="Calibri" panose="020F0502020204030204" pitchFamily="34" charset="0"/>
-                          <a:ea typeface="Calibri" panose="020F0502020204030204" pitchFamily="34" charset="0"/>
-                          <a:cs typeface="Times New Roman" panose="02020603050405020304" pitchFamily="18" charset="0"/>
-                        </a:rPr>
-                        <a:t>Red and SWN1R1</a:t>
-                      </a:r>
-                      <a:endParaRPr lang="en-US" sz="1800" dirty="0">
-                        <a:effectLst/>
-                        <a:latin typeface="Calibri" panose="020F0502020204030204" pitchFamily="34" charset="0"/>
-                        <a:ea typeface="Calibri" panose="020F0502020204030204" pitchFamily="34" charset="0"/>
-                        <a:cs typeface="Times New Roman" panose="02020603050405020304" pitchFamily="18" charset="0"/>
-                      </a:endParaRPr>
-                    </a:p>
-                  </a:txBody>
-                  <a:tcPr marL="63500" marR="63500" marT="63500" marB="63500"/>
-                </a:tc>
-                <a:tc>
-                  <a:txBody>
-                    <a:bodyPr/>
-                    <a:lstStyle/>
-                    <a:p>
-                      <a:pPr marL="0" marR="0" algn="just">
-                        <a:lnSpc>
-                          <a:spcPct val="107000"/>
-                        </a:lnSpc>
-                        <a:spcBef>
-                          <a:spcPts val="0"/>
-                        </a:spcBef>
-                        <a:spcAft>
-                          <a:spcPts val="800"/>
-                        </a:spcAft>
-                      </a:pPr>
-                      <a:r>
-                        <a:rPr lang="en-IN" sz="2400" baseline="0">
-                          <a:effectLst/>
-                          <a:latin typeface="Calibri" panose="020F0502020204030204" pitchFamily="34" charset="0"/>
-                          <a:ea typeface="Calibri" panose="020F0502020204030204" pitchFamily="34" charset="0"/>
-                          <a:cs typeface="Times New Roman" panose="02020603050405020304" pitchFamily="18" charset="0"/>
-                        </a:rPr>
-                        <a:t>0.76</a:t>
-                      </a:r>
-                      <a:endParaRPr lang="en-US" sz="2400" baseline="0">
-                        <a:effectLst/>
-                        <a:latin typeface="Calibri" panose="020F0502020204030204" pitchFamily="34" charset="0"/>
-                        <a:ea typeface="Calibri" panose="020F0502020204030204" pitchFamily="34" charset="0"/>
-                        <a:cs typeface="Times New Roman" panose="02020603050405020304" pitchFamily="18" charset="0"/>
-                      </a:endParaRPr>
-                    </a:p>
-                  </a:txBody>
-                  <a:tcPr marL="63500" marR="63500" marT="63500" marB="63500"/>
-                </a:tc>
-                <a:extLst>
-                  <a:ext uri="{0D108BD9-81ED-4DB2-BD59-A6C34878D82A}">
-                    <a16:rowId xmlns:a16="http://schemas.microsoft.com/office/drawing/2014/main" val="651628056"/>
-                  </a:ext>
-                </a:extLst>
-              </a:tr>
-              <a:tr h="478997">
-                <a:tc>
-                  <a:txBody>
-                    <a:bodyPr/>
-                    <a:lstStyle/>
-                    <a:p>
-                      <a:pPr marL="0" marR="0" algn="just">
-                        <a:lnSpc>
-                          <a:spcPct val="107000"/>
-                        </a:lnSpc>
-                        <a:spcBef>
-                          <a:spcPts val="0"/>
-                        </a:spcBef>
-                        <a:spcAft>
-                          <a:spcPts val="800"/>
-                        </a:spcAft>
-                      </a:pPr>
-                      <a:r>
-                        <a:rPr lang="en-IN" sz="1800" dirty="0">
-                          <a:effectLst/>
-                          <a:latin typeface="Calibri" panose="020F0502020204030204" pitchFamily="34" charset="0"/>
-                          <a:ea typeface="Calibri" panose="020F0502020204030204" pitchFamily="34" charset="0"/>
-                          <a:cs typeface="Times New Roman" panose="02020603050405020304" pitchFamily="18" charset="0"/>
-                        </a:rPr>
-                        <a:t>Green and SWN1R2</a:t>
-                      </a:r>
-                      <a:endParaRPr lang="en-US" sz="1800" dirty="0">
-                        <a:effectLst/>
-                        <a:latin typeface="Calibri" panose="020F0502020204030204" pitchFamily="34" charset="0"/>
-                        <a:ea typeface="Calibri" panose="020F0502020204030204" pitchFamily="34" charset="0"/>
-                        <a:cs typeface="Times New Roman" panose="02020603050405020304" pitchFamily="18" charset="0"/>
-                      </a:endParaRPr>
-                    </a:p>
-                  </a:txBody>
-                  <a:tcPr marL="63500" marR="63500" marT="63500" marB="63500"/>
-                </a:tc>
-                <a:tc>
-                  <a:txBody>
-                    <a:bodyPr/>
-                    <a:lstStyle/>
-                    <a:p>
-                      <a:pPr marL="0" marR="0" algn="just">
-                        <a:lnSpc>
-                          <a:spcPct val="107000"/>
-                        </a:lnSpc>
-                        <a:spcBef>
-                          <a:spcPts val="0"/>
-                        </a:spcBef>
-                        <a:spcAft>
-                          <a:spcPts val="800"/>
-                        </a:spcAft>
-                      </a:pPr>
-                      <a:r>
-                        <a:rPr lang="en-IN" sz="2400" baseline="0">
-                          <a:effectLst/>
-                          <a:latin typeface="Calibri" panose="020F0502020204030204" pitchFamily="34" charset="0"/>
-                          <a:ea typeface="Calibri" panose="020F0502020204030204" pitchFamily="34" charset="0"/>
-                          <a:cs typeface="Times New Roman" panose="02020603050405020304" pitchFamily="18" charset="0"/>
-                        </a:rPr>
-                        <a:t>0.65</a:t>
-                      </a:r>
-                      <a:endParaRPr lang="en-US" sz="2400" baseline="0">
-                        <a:effectLst/>
-                        <a:latin typeface="Calibri" panose="020F0502020204030204" pitchFamily="34" charset="0"/>
-                        <a:ea typeface="Calibri" panose="020F0502020204030204" pitchFamily="34" charset="0"/>
-                        <a:cs typeface="Times New Roman" panose="02020603050405020304" pitchFamily="18" charset="0"/>
-                      </a:endParaRPr>
-                    </a:p>
-                  </a:txBody>
-                  <a:tcPr marL="63500" marR="63500" marT="63500" marB="63500"/>
-                </a:tc>
-                <a:extLst>
-                  <a:ext uri="{0D108BD9-81ED-4DB2-BD59-A6C34878D82A}">
-                    <a16:rowId xmlns:a16="http://schemas.microsoft.com/office/drawing/2014/main" val="3976254879"/>
-                  </a:ext>
-                </a:extLst>
-              </a:tr>
-              <a:tr h="478997">
-                <a:tc>
-                  <a:txBody>
-                    <a:bodyPr/>
-                    <a:lstStyle/>
-                    <a:p>
-                      <a:pPr marL="0" marR="0" algn="just">
-                        <a:lnSpc>
-                          <a:spcPct val="107000"/>
-                        </a:lnSpc>
-                        <a:spcBef>
-                          <a:spcPts val="0"/>
-                        </a:spcBef>
-                        <a:spcAft>
-                          <a:spcPts val="800"/>
-                        </a:spcAft>
-                      </a:pPr>
-                      <a:r>
-                        <a:rPr lang="en-IN" sz="1800" dirty="0">
-                          <a:effectLst/>
-                          <a:latin typeface="Calibri" panose="020F0502020204030204" pitchFamily="34" charset="0"/>
-                          <a:ea typeface="Calibri" panose="020F0502020204030204" pitchFamily="34" charset="0"/>
-                          <a:cs typeface="Times New Roman" panose="02020603050405020304" pitchFamily="18" charset="0"/>
-                        </a:rPr>
-                        <a:t>Red and SWN1R2</a:t>
-                      </a:r>
-                      <a:endParaRPr lang="en-US" sz="1800" dirty="0">
-                        <a:effectLst/>
-                        <a:latin typeface="Calibri" panose="020F0502020204030204" pitchFamily="34" charset="0"/>
-                        <a:ea typeface="Calibri" panose="020F0502020204030204" pitchFamily="34" charset="0"/>
-                        <a:cs typeface="Times New Roman" panose="02020603050405020304" pitchFamily="18" charset="0"/>
-                      </a:endParaRPr>
-                    </a:p>
-                  </a:txBody>
-                  <a:tcPr marL="63500" marR="63500" marT="63500" marB="63500"/>
-                </a:tc>
-                <a:tc>
-                  <a:txBody>
-                    <a:bodyPr/>
-                    <a:lstStyle/>
-                    <a:p>
-                      <a:pPr marL="0" marR="0" algn="just">
-                        <a:lnSpc>
-                          <a:spcPct val="107000"/>
-                        </a:lnSpc>
-                        <a:spcBef>
-                          <a:spcPts val="0"/>
-                        </a:spcBef>
-                        <a:spcAft>
-                          <a:spcPts val="800"/>
-                        </a:spcAft>
-                      </a:pPr>
-                      <a:r>
-                        <a:rPr lang="en-IN" sz="2400" baseline="0">
-                          <a:effectLst/>
-                          <a:latin typeface="Calibri" panose="020F0502020204030204" pitchFamily="34" charset="0"/>
-                          <a:ea typeface="Calibri" panose="020F0502020204030204" pitchFamily="34" charset="0"/>
-                          <a:cs typeface="Times New Roman" panose="02020603050405020304" pitchFamily="18" charset="0"/>
-                        </a:rPr>
-                        <a:t>0.79</a:t>
-                      </a:r>
-                      <a:endParaRPr lang="en-US" sz="2400" baseline="0">
-                        <a:effectLst/>
-                        <a:latin typeface="Calibri" panose="020F0502020204030204" pitchFamily="34" charset="0"/>
-                        <a:ea typeface="Calibri" panose="020F0502020204030204" pitchFamily="34" charset="0"/>
-                        <a:cs typeface="Times New Roman" panose="02020603050405020304" pitchFamily="18" charset="0"/>
-                      </a:endParaRPr>
-                    </a:p>
-                  </a:txBody>
-                  <a:tcPr marL="63500" marR="63500" marT="63500" marB="63500"/>
-                </a:tc>
-                <a:extLst>
-                  <a:ext uri="{0D108BD9-81ED-4DB2-BD59-A6C34878D82A}">
-                    <a16:rowId xmlns:a16="http://schemas.microsoft.com/office/drawing/2014/main" val="1579916774"/>
-                  </a:ext>
-                </a:extLst>
-              </a:tr>
-              <a:tr h="478997">
-                <a:tc>
-                  <a:txBody>
-                    <a:bodyPr/>
-                    <a:lstStyle/>
-                    <a:p>
-                      <a:pPr marL="0" marR="0" algn="just">
-                        <a:lnSpc>
-                          <a:spcPct val="107000"/>
-                        </a:lnSpc>
-                        <a:spcBef>
-                          <a:spcPts val="0"/>
-                        </a:spcBef>
-                        <a:spcAft>
-                          <a:spcPts val="800"/>
-                        </a:spcAft>
-                      </a:pPr>
-                      <a:r>
-                        <a:rPr lang="en-IN" sz="1800" dirty="0">
-                          <a:effectLst/>
-                          <a:latin typeface="Calibri" panose="020F0502020204030204" pitchFamily="34" charset="0"/>
-                          <a:ea typeface="Calibri" panose="020F0502020204030204" pitchFamily="34" charset="0"/>
-                          <a:cs typeface="Times New Roman" panose="02020603050405020304" pitchFamily="18" charset="0"/>
-                        </a:rPr>
-                        <a:t>SWN1R1 and SWN1R2</a:t>
-                      </a:r>
-                      <a:endParaRPr lang="en-US" sz="1800" dirty="0">
-                        <a:effectLst/>
-                        <a:latin typeface="Calibri" panose="020F0502020204030204" pitchFamily="34" charset="0"/>
-                        <a:ea typeface="Calibri" panose="020F0502020204030204" pitchFamily="34" charset="0"/>
-                        <a:cs typeface="Times New Roman" panose="02020603050405020304" pitchFamily="18" charset="0"/>
-                      </a:endParaRPr>
-                    </a:p>
-                  </a:txBody>
-                  <a:tcPr marL="63500" marR="63500" marT="63500" marB="63500"/>
-                </a:tc>
-                <a:tc>
-                  <a:txBody>
-                    <a:bodyPr/>
-                    <a:lstStyle/>
-                    <a:p>
-                      <a:pPr marL="0" marR="0" algn="just">
-                        <a:lnSpc>
-                          <a:spcPct val="107000"/>
-                        </a:lnSpc>
-                        <a:spcBef>
-                          <a:spcPts val="0"/>
-                        </a:spcBef>
-                        <a:spcAft>
-                          <a:spcPts val="800"/>
-                        </a:spcAft>
-                      </a:pPr>
-                      <a:r>
-                        <a:rPr lang="en-IN" sz="2400" baseline="0" dirty="0">
-                          <a:effectLst/>
-                          <a:latin typeface="Calibri" panose="020F0502020204030204" pitchFamily="34" charset="0"/>
-                          <a:ea typeface="Calibri" panose="020F0502020204030204" pitchFamily="34" charset="0"/>
-                          <a:cs typeface="Times New Roman" panose="02020603050405020304" pitchFamily="18" charset="0"/>
-                        </a:rPr>
-                        <a:t>0.96</a:t>
-                      </a:r>
-                      <a:endParaRPr lang="en-US" sz="2400" baseline="0" dirty="0">
-                        <a:effectLst/>
-                        <a:latin typeface="Calibri" panose="020F0502020204030204" pitchFamily="34" charset="0"/>
-                        <a:ea typeface="Calibri" panose="020F0502020204030204" pitchFamily="34" charset="0"/>
-                        <a:cs typeface="Times New Roman" panose="02020603050405020304" pitchFamily="18" charset="0"/>
-                      </a:endParaRPr>
-                    </a:p>
-                  </a:txBody>
-                  <a:tcPr marL="63500" marR="63500" marT="63500" marB="63500"/>
-                </a:tc>
-                <a:extLst>
-                  <a:ext uri="{0D108BD9-81ED-4DB2-BD59-A6C34878D82A}">
-                    <a16:rowId xmlns:a16="http://schemas.microsoft.com/office/drawing/2014/main" val="577574332"/>
-                  </a:ext>
-                </a:extLst>
-              </a:tr>
-            </a:tbl>
-          </a:graphicData>
-        </a:graphic>
-      </p:graphicFrame>
-      <p:pic>
-        <p:nvPicPr>
-          <p:cNvPr id="21" name="Picture 20"/>
-          <p:cNvPicPr>
-            <a:picLocks noChangeAspect="1"/>
-          </p:cNvPicPr>
-          <p:nvPr/>
-        </p:nvPicPr>
-        <p:blipFill>
-          <a:blip r:embed="rId16"/>
-          <a:stretch>
-            <a:fillRect/>
-          </a:stretch>
-        </p:blipFill>
-        <p:spPr>
-          <a:xfrm>
-            <a:off x="12399347" y="18122763"/>
-            <a:ext cx="6465917" cy="5302671"/>
-          </a:xfrm>
-          <a:prstGeom prst="rect">
-            <a:avLst/>
-          </a:prstGeom>
-        </p:spPr>
-      </p:pic>
-      <p:pic>
-        <p:nvPicPr>
-          <p:cNvPr id="23" name="Picture 22"/>
-          <p:cNvPicPr>
-            <a:picLocks noChangeAspect="1"/>
-          </p:cNvPicPr>
-          <p:nvPr/>
-        </p:nvPicPr>
-        <p:blipFill>
-          <a:blip r:embed="rId17"/>
-          <a:stretch>
-            <a:fillRect/>
-          </a:stretch>
-        </p:blipFill>
-        <p:spPr>
-          <a:xfrm>
-            <a:off x="18805199" y="18237729"/>
-            <a:ext cx="6426296" cy="5072738"/>
-          </a:xfrm>
-          <a:prstGeom prst="rect">
-            <a:avLst/>
-          </a:prstGeom>
-        </p:spPr>
-      </p:pic>
-      <p:pic>
-        <p:nvPicPr>
-          <p:cNvPr id="32" name="Picture 31"/>
-          <p:cNvPicPr>
-            <a:picLocks noChangeAspect="1"/>
-          </p:cNvPicPr>
-          <p:nvPr/>
-        </p:nvPicPr>
-        <p:blipFill>
-          <a:blip r:embed="rId18"/>
           <a:stretch>
             <a:fillRect/>
           </a:stretch>
@@ -4640,7 +3842,536 @@
       </p:sp>
       <p:pic>
         <p:nvPicPr>
-          <p:cNvPr id="6" name="Picture 5"/>
+          <p:cNvPr id="10" name="Picture 9"/>
+          <p:cNvPicPr>
+            <a:picLocks noChangeAspect="1"/>
+          </p:cNvPicPr>
+          <p:nvPr/>
+        </p:nvPicPr>
+        <p:blipFill>
+          <a:blip r:embed="rId16"/>
+          <a:stretch>
+            <a:fillRect/>
+          </a:stretch>
+        </p:blipFill>
+        <p:spPr>
+          <a:xfrm>
+            <a:off x="18610564" y="11879566"/>
+            <a:ext cx="7353300" cy="4648200"/>
+          </a:xfrm>
+          <a:prstGeom prst="rect">
+            <a:avLst/>
+          </a:prstGeom>
+        </p:spPr>
+      </p:pic>
+      <p:pic>
+        <p:nvPicPr>
+          <p:cNvPr id="24" name="Picture 23"/>
+          <p:cNvPicPr>
+            <a:picLocks noChangeAspect="1"/>
+          </p:cNvPicPr>
+          <p:nvPr/>
+        </p:nvPicPr>
+        <p:blipFill>
+          <a:blip r:embed="rId17"/>
+          <a:stretch>
+            <a:fillRect/>
+          </a:stretch>
+        </p:blipFill>
+        <p:spPr>
+          <a:xfrm>
+            <a:off x="1366932" y="12012457"/>
+            <a:ext cx="10597006" cy="2025676"/>
+          </a:xfrm>
+          <a:prstGeom prst="rect">
+            <a:avLst/>
+          </a:prstGeom>
+        </p:spPr>
+      </p:pic>
+      <p:pic>
+        <p:nvPicPr>
+          <p:cNvPr id="26" name="Picture 25"/>
+          <p:cNvPicPr>
+            <a:picLocks noChangeAspect="1"/>
+          </p:cNvPicPr>
+          <p:nvPr/>
+        </p:nvPicPr>
+        <p:blipFill>
+          <a:blip r:embed="rId18"/>
+          <a:stretch>
+            <a:fillRect/>
+          </a:stretch>
+        </p:blipFill>
+        <p:spPr>
+          <a:xfrm>
+            <a:off x="2035195" y="23824352"/>
+            <a:ext cx="6937602" cy="5056421"/>
+          </a:xfrm>
+          <a:prstGeom prst="rect">
+            <a:avLst/>
+          </a:prstGeom>
+        </p:spPr>
+      </p:pic>
+      <p:graphicFrame>
+        <p:nvGraphicFramePr>
+          <p:cNvPr id="27" name="Table 26"/>
+          <p:cNvGraphicFramePr>
+            <a:graphicFrameLocks noGrp="1"/>
+          </p:cNvGraphicFramePr>
+          <p:nvPr>
+            <p:extLst>
+              <p:ext uri="{D42A27DB-BD31-4B8C-83A1-F6EECF244321}">
+                <p14:modId xmlns:p14="http://schemas.microsoft.com/office/powerpoint/2010/main" val="1891881502"/>
+              </p:ext>
+            </p:extLst>
+          </p:nvPr>
+        </p:nvGraphicFramePr>
+        <p:xfrm>
+          <a:off x="12456022" y="18597166"/>
+          <a:ext cx="13263248" cy="4418302"/>
+        </p:xfrm>
+        <a:graphic>
+          <a:graphicData uri="http://schemas.openxmlformats.org/drawingml/2006/table">
+            <a:tbl>
+              <a:tblPr firstRow="1" bandRow="1">
+                <a:tableStyleId>{93296810-A885-4BE3-A3E7-6D5BEEA58F35}</a:tableStyleId>
+              </a:tblPr>
+              <a:tblGrid>
+                <a:gridCol w="2441645">
+                  <a:extLst>
+                    <a:ext uri="{9D8B030D-6E8A-4147-A177-3AD203B41FA5}">
+                      <a16:colId xmlns:a16="http://schemas.microsoft.com/office/drawing/2014/main" val="1774685604"/>
+                    </a:ext>
+                  </a:extLst>
+                </a:gridCol>
+                <a:gridCol w="2933133">
+                  <a:extLst>
+                    <a:ext uri="{9D8B030D-6E8A-4147-A177-3AD203B41FA5}">
+                      <a16:colId xmlns:a16="http://schemas.microsoft.com/office/drawing/2014/main" val="3190195136"/>
+                    </a:ext>
+                  </a:extLst>
+                </a:gridCol>
+                <a:gridCol w="3429000">
+                  <a:extLst>
+                    <a:ext uri="{9D8B030D-6E8A-4147-A177-3AD203B41FA5}">
+                      <a16:colId xmlns:a16="http://schemas.microsoft.com/office/drawing/2014/main" val="2991913186"/>
+                    </a:ext>
+                  </a:extLst>
+                </a:gridCol>
+                <a:gridCol w="4459470">
+                  <a:extLst>
+                    <a:ext uri="{9D8B030D-6E8A-4147-A177-3AD203B41FA5}">
+                      <a16:colId xmlns:a16="http://schemas.microsoft.com/office/drawing/2014/main" val="1056690215"/>
+                    </a:ext>
+                  </a:extLst>
+                </a:gridCol>
+              </a:tblGrid>
+              <a:tr h="0">
+                <a:tc>
+                  <a:txBody>
+                    <a:bodyPr/>
+                    <a:lstStyle/>
+                    <a:p>
+                      <a:endParaRPr lang="en-US" sz="3333" dirty="0"/>
+                    </a:p>
+                  </a:txBody>
+                  <a:tcPr>
+                    <a:solidFill>
+                      <a:srgbClr val="DE642E"/>
+                    </a:solidFill>
+                  </a:tcPr>
+                </a:tc>
+                <a:tc>
+                  <a:txBody>
+                    <a:bodyPr/>
+                    <a:lstStyle/>
+                    <a:p>
+                      <a:pPr algn="ctr"/>
+                      <a:r>
+                        <a:rPr lang="en-US" sz="3333" dirty="0"/>
+                        <a:t>MLC</a:t>
+                      </a:r>
+                    </a:p>
+                  </a:txBody>
+                  <a:tcPr>
+                    <a:solidFill>
+                      <a:srgbClr val="DE642E"/>
+                    </a:solidFill>
+                  </a:tcPr>
+                </a:tc>
+                <a:tc>
+                  <a:txBody>
+                    <a:bodyPr/>
+                    <a:lstStyle/>
+                    <a:p>
+                      <a:pPr marL="0" algn="ctr" defTabSz="1828689" rtl="0" eaLnBrk="1" latinLnBrk="0" hangingPunct="1"/>
+                      <a:r>
+                        <a:rPr lang="en-US" sz="3333" b="1" kern="1200" dirty="0">
+                          <a:solidFill>
+                            <a:schemeClr val="lt1"/>
+                          </a:solidFill>
+                          <a:latin typeface="+mn-lt"/>
+                          <a:ea typeface="+mn-ea"/>
+                          <a:cs typeface="+mn-cs"/>
+                        </a:rPr>
+                        <a:t>PCA</a:t>
+                      </a:r>
+                    </a:p>
+                  </a:txBody>
+                  <a:tcPr>
+                    <a:solidFill>
+                      <a:srgbClr val="DE642E"/>
+                    </a:solidFill>
+                  </a:tcPr>
+                </a:tc>
+                <a:tc>
+                  <a:txBody>
+                    <a:bodyPr/>
+                    <a:lstStyle/>
+                    <a:p>
+                      <a:pPr marL="0" algn="ctr" defTabSz="1828689" rtl="0" eaLnBrk="1" latinLnBrk="0" hangingPunct="1"/>
+                      <a:r>
+                        <a:rPr lang="en-US" sz="3333" b="1" kern="1200" dirty="0">
+                          <a:solidFill>
+                            <a:schemeClr val="lt1"/>
+                          </a:solidFill>
+                          <a:latin typeface="+mn-lt"/>
+                          <a:ea typeface="+mn-ea"/>
+                          <a:cs typeface="+mn-cs"/>
+                        </a:rPr>
+                        <a:t>Feature subset</a:t>
+                      </a:r>
+                    </a:p>
+                  </a:txBody>
+                  <a:tcPr>
+                    <a:solidFill>
+                      <a:srgbClr val="DE642E"/>
+                    </a:solidFill>
+                  </a:tcPr>
+                </a:tc>
+                <a:extLst>
+                  <a:ext uri="{0D108BD9-81ED-4DB2-BD59-A6C34878D82A}">
+                    <a16:rowId xmlns:a16="http://schemas.microsoft.com/office/drawing/2014/main" val="2265715788"/>
+                  </a:ext>
+                </a:extLst>
+              </a:tr>
+              <a:tr h="763785">
+                <a:tc>
+                  <a:txBody>
+                    <a:bodyPr/>
+                    <a:lstStyle/>
+                    <a:p>
+                      <a:r>
+                        <a:rPr lang="en-US" sz="3333" dirty="0"/>
+                        <a:t>Model 1</a:t>
+                      </a:r>
+                    </a:p>
+                  </a:txBody>
+                  <a:tcPr/>
+                </a:tc>
+                <a:tc>
+                  <a:txBody>
+                    <a:bodyPr/>
+                    <a:lstStyle/>
+                    <a:p>
+                      <a:pPr algn="ctr"/>
+                      <a:r>
+                        <a:rPr lang="en-US" sz="3333" dirty="0"/>
+                        <a:t>88.63%</a:t>
+                      </a:r>
+                    </a:p>
+                  </a:txBody>
+                  <a:tcPr/>
+                </a:tc>
+                <a:tc>
+                  <a:txBody>
+                    <a:bodyPr/>
+                    <a:lstStyle/>
+                    <a:p>
+                      <a:pPr algn="ctr"/>
+                      <a:r>
+                        <a:rPr lang="en-US" sz="3333" dirty="0"/>
+                        <a:t>88.63%</a:t>
+                      </a:r>
+                    </a:p>
+                  </a:txBody>
+                  <a:tcPr/>
+                </a:tc>
+                <a:tc>
+                  <a:txBody>
+                    <a:bodyPr/>
+                    <a:lstStyle/>
+                    <a:p>
+                      <a:pPr algn="ctr"/>
+                      <a:r>
+                        <a:rPr lang="en-US" sz="3333" dirty="0"/>
+                        <a:t>93.18%</a:t>
+                      </a:r>
+                    </a:p>
+                  </a:txBody>
+                  <a:tcPr/>
+                </a:tc>
+                <a:extLst>
+                  <a:ext uri="{0D108BD9-81ED-4DB2-BD59-A6C34878D82A}">
+                    <a16:rowId xmlns:a16="http://schemas.microsoft.com/office/drawing/2014/main" val="1068485553"/>
+                  </a:ext>
+                </a:extLst>
+              </a:tr>
+              <a:tr h="763785">
+                <a:tc>
+                  <a:txBody>
+                    <a:bodyPr/>
+                    <a:lstStyle/>
+                    <a:p>
+                      <a:r>
+                        <a:rPr lang="en-US" sz="3333" dirty="0"/>
+                        <a:t>Model 2</a:t>
+                      </a:r>
+                    </a:p>
+                  </a:txBody>
+                  <a:tcPr/>
+                </a:tc>
+                <a:tc>
+                  <a:txBody>
+                    <a:bodyPr/>
+                    <a:lstStyle/>
+                    <a:p>
+                      <a:pPr algn="ctr"/>
+                      <a:r>
+                        <a:rPr lang="en-US" sz="3333" dirty="0"/>
+                        <a:t>79.54%</a:t>
+                      </a:r>
+                    </a:p>
+                  </a:txBody>
+                  <a:tcPr/>
+                </a:tc>
+                <a:tc>
+                  <a:txBody>
+                    <a:bodyPr/>
+                    <a:lstStyle/>
+                    <a:p>
+                      <a:pPr algn="ctr"/>
+                      <a:r>
+                        <a:rPr lang="en-US" sz="3333" dirty="0"/>
+                        <a:t>81.82%</a:t>
+                      </a:r>
+                    </a:p>
+                  </a:txBody>
+                  <a:tcPr/>
+                </a:tc>
+                <a:tc>
+                  <a:txBody>
+                    <a:bodyPr/>
+                    <a:lstStyle/>
+                    <a:p>
+                      <a:pPr algn="ctr"/>
+                      <a:r>
+                        <a:rPr lang="en-US" sz="3333" dirty="0"/>
+                        <a:t>88.64%</a:t>
+                      </a:r>
+                    </a:p>
+                  </a:txBody>
+                  <a:tcPr/>
+                </a:tc>
+                <a:extLst>
+                  <a:ext uri="{0D108BD9-81ED-4DB2-BD59-A6C34878D82A}">
+                    <a16:rowId xmlns:a16="http://schemas.microsoft.com/office/drawing/2014/main" val="3917131792"/>
+                  </a:ext>
+                </a:extLst>
+              </a:tr>
+              <a:tr h="763785">
+                <a:tc>
+                  <a:txBody>
+                    <a:bodyPr/>
+                    <a:lstStyle/>
+                    <a:p>
+                      <a:r>
+                        <a:rPr lang="en-US" sz="3333" dirty="0"/>
+                        <a:t>Model 3</a:t>
+                      </a:r>
+                    </a:p>
+                  </a:txBody>
+                  <a:tcPr/>
+                </a:tc>
+                <a:tc>
+                  <a:txBody>
+                    <a:bodyPr/>
+                    <a:lstStyle/>
+                    <a:p>
+                      <a:pPr algn="ctr"/>
+                      <a:r>
+                        <a:rPr lang="en-US" sz="3333" dirty="0"/>
+                        <a:t>86.36%</a:t>
+                      </a:r>
+                    </a:p>
+                  </a:txBody>
+                  <a:tcPr/>
+                </a:tc>
+                <a:tc>
+                  <a:txBody>
+                    <a:bodyPr/>
+                    <a:lstStyle/>
+                    <a:p>
+                      <a:pPr algn="ctr"/>
+                      <a:r>
+                        <a:rPr lang="en-US" sz="3333" dirty="0"/>
+                        <a:t>90.91%</a:t>
+                      </a:r>
+                    </a:p>
+                  </a:txBody>
+                  <a:tcPr/>
+                </a:tc>
+                <a:tc>
+                  <a:txBody>
+                    <a:bodyPr/>
+                    <a:lstStyle/>
+                    <a:p>
+                      <a:pPr algn="ctr"/>
+                      <a:r>
+                        <a:rPr lang="en-US" sz="3333" dirty="0"/>
+                        <a:t>93.18%</a:t>
+                      </a:r>
+                    </a:p>
+                  </a:txBody>
+                  <a:tcPr/>
+                </a:tc>
+                <a:extLst>
+                  <a:ext uri="{0D108BD9-81ED-4DB2-BD59-A6C34878D82A}">
+                    <a16:rowId xmlns:a16="http://schemas.microsoft.com/office/drawing/2014/main" val="4012578596"/>
+                  </a:ext>
+                </a:extLst>
+              </a:tr>
+              <a:tr h="763785">
+                <a:tc>
+                  <a:txBody>
+                    <a:bodyPr/>
+                    <a:lstStyle/>
+                    <a:p>
+                      <a:r>
+                        <a:rPr lang="en-US" sz="3333" dirty="0"/>
+                        <a:t>Model 4</a:t>
+                      </a:r>
+                    </a:p>
+                  </a:txBody>
+                  <a:tcPr/>
+                </a:tc>
+                <a:tc>
+                  <a:txBody>
+                    <a:bodyPr/>
+                    <a:lstStyle/>
+                    <a:p>
+                      <a:pPr algn="ctr"/>
+                      <a:r>
+                        <a:rPr lang="en-US" sz="3333" dirty="0"/>
+                        <a:t>95.45%</a:t>
+                      </a:r>
+                    </a:p>
+                  </a:txBody>
+                  <a:tcPr/>
+                </a:tc>
+                <a:tc>
+                  <a:txBody>
+                    <a:bodyPr/>
+                    <a:lstStyle/>
+                    <a:p>
+                      <a:pPr algn="ctr"/>
+                      <a:r>
+                        <a:rPr lang="en-US" sz="3333" dirty="0"/>
+                        <a:t>90.91%</a:t>
+                      </a:r>
+                    </a:p>
+                  </a:txBody>
+                  <a:tcPr/>
+                </a:tc>
+                <a:tc>
+                  <a:txBody>
+                    <a:bodyPr/>
+                    <a:lstStyle/>
+                    <a:p>
+                      <a:pPr algn="ctr"/>
+                      <a:r>
+                        <a:rPr lang="en-US" sz="3333" dirty="0"/>
+                        <a:t>97.72%</a:t>
+                      </a:r>
+                    </a:p>
+                  </a:txBody>
+                  <a:tcPr/>
+                </a:tc>
+                <a:extLst>
+                  <a:ext uri="{0D108BD9-81ED-4DB2-BD59-A6C34878D82A}">
+                    <a16:rowId xmlns:a16="http://schemas.microsoft.com/office/drawing/2014/main" val="2273767131"/>
+                  </a:ext>
+                </a:extLst>
+              </a:tr>
+              <a:tr h="763785">
+                <a:tc>
+                  <a:txBody>
+                    <a:bodyPr/>
+                    <a:lstStyle/>
+                    <a:p>
+                      <a:r>
+                        <a:rPr lang="en-US" sz="3333" dirty="0"/>
+                        <a:t>BMA</a:t>
+                      </a:r>
+                    </a:p>
+                  </a:txBody>
+                  <a:tcPr/>
+                </a:tc>
+                <a:tc>
+                  <a:txBody>
+                    <a:bodyPr/>
+                    <a:lstStyle/>
+                    <a:p>
+                      <a:pPr algn="ctr"/>
+                      <a:r>
+                        <a:rPr lang="en-US" sz="3333" dirty="0"/>
+                        <a:t>90.90%</a:t>
+                      </a:r>
+                    </a:p>
+                  </a:txBody>
+                  <a:tcPr/>
+                </a:tc>
+                <a:tc>
+                  <a:txBody>
+                    <a:bodyPr/>
+                    <a:lstStyle/>
+                    <a:p>
+                      <a:pPr algn="ctr"/>
+                      <a:r>
+                        <a:rPr lang="en-US" sz="3333" dirty="0"/>
+                        <a:t>90.90%</a:t>
+                      </a:r>
+                    </a:p>
+                  </a:txBody>
+                  <a:tcPr/>
+                </a:tc>
+                <a:tc>
+                  <a:txBody>
+                    <a:bodyPr/>
+                    <a:lstStyle/>
+                    <a:p>
+                      <a:pPr algn="ctr"/>
+                      <a:r>
+                        <a:rPr lang="en-US" sz="3333" dirty="0"/>
+                        <a:t>93.18%</a:t>
+                      </a:r>
+                    </a:p>
+                  </a:txBody>
+                  <a:tcPr/>
+                </a:tc>
+                <a:extLst>
+                  <a:ext uri="{0D108BD9-81ED-4DB2-BD59-A6C34878D82A}">
+                    <a16:rowId xmlns:a16="http://schemas.microsoft.com/office/drawing/2014/main" val="2275106368"/>
+                  </a:ext>
+                </a:extLst>
+              </a:tr>
+            </a:tbl>
+          </a:graphicData>
+        </a:graphic>
+      </p:graphicFrame>
+      <p:pic>
+        <p:nvPicPr>
+          <p:cNvPr id="29" name="Picture 28"/>
           <p:cNvPicPr>
             <a:picLocks noChangeAspect="1"/>
           </p:cNvPicPr>
@@ -4654,32 +4385,8 @@
         </p:blipFill>
         <p:spPr>
           <a:xfrm>
-            <a:off x="1406263" y="12062785"/>
-            <a:ext cx="10614307" cy="2028983"/>
-          </a:xfrm>
-          <a:prstGeom prst="rect">
-            <a:avLst/>
-          </a:prstGeom>
-        </p:spPr>
-      </p:pic>
-      <p:pic>
-        <p:nvPicPr>
-          <p:cNvPr id="18" name="Picture 17"/>
-          <p:cNvPicPr>
-            <a:picLocks noChangeAspect="1"/>
-          </p:cNvPicPr>
-          <p:nvPr/>
-        </p:nvPicPr>
-        <p:blipFill>
-          <a:blip r:embed="rId20"/>
-          <a:stretch>
-            <a:fillRect/>
-          </a:stretch>
-        </p:blipFill>
-        <p:spPr>
-          <a:xfrm>
-            <a:off x="18460185" y="11665795"/>
-            <a:ext cx="7353300" cy="4648200"/>
+            <a:off x="12456022" y="23637229"/>
+            <a:ext cx="7452375" cy="5623571"/>
           </a:xfrm>
           <a:prstGeom prst="rect">
             <a:avLst/>
@@ -5338,24 +5045,6 @@
 </file>
 
 <file path=customXml/item1.xml><?xml version="1.0" encoding="utf-8"?>
-<p:properties xmlns:p="http://schemas.microsoft.com/office/2006/metadata/properties" xmlns:xsi="http://www.w3.org/2001/XMLSchema-instance" xmlns:pc="http://schemas.microsoft.com/office/infopath/2007/PartnerControls">
-  <documentManagement>
-    <_Version xmlns="http://schemas.microsoft.com/sharepoint/v3/fields" xsi:nil="true"/>
-    <_Status xmlns="http://schemas.microsoft.com/sharepoint/v3/fields">Not Started</_Status>
-  </documentManagement>
-</p:properties>
-</file>
-
-<file path=customXml/item2.xml><?xml version="1.0" encoding="utf-8"?>
-<?mso-contentType ?>
-<FormTemplates xmlns="http://schemas.microsoft.com/sharepoint/v3/contenttype/forms">
-  <Display>DocumentLibraryForm</Display>
-  <Edit>DocumentLibraryForm</Edit>
-  <New>DocumentLibraryForm</New>
-</FormTemplates>
-</file>
-
-<file path=customXml/item3.xml><?xml version="1.0" encoding="utf-8"?>
 <ct:contentTypeSchema xmlns:ct="http://schemas.microsoft.com/office/2006/metadata/contentType" xmlns:ma="http://schemas.microsoft.com/office/2006/metadata/properties/metaAttributes" ct:_="" ma:_="" ma:contentTypeName="Document" ma:contentTypeID="0x0101000DE64AEEDD9B7A4D93545ACBE97D4615" ma:contentTypeVersion="2" ma:contentTypeDescription="Create a new document." ma:contentTypeScope="" ma:versionID="f49002b78e3a4a71b814eef46a983816">
   <xsd:schema xmlns:xsd="http://www.w3.org/2001/XMLSchema" xmlns:xs="http://www.w3.org/2001/XMLSchema" xmlns:p="http://schemas.microsoft.com/office/2006/metadata/properties" xmlns:ns2="http://schemas.microsoft.com/sharepoint/v3/fields" targetNamespace="http://schemas.microsoft.com/office/2006/metadata/properties" ma:root="true" ma:fieldsID="38f6db2dd0d9a0cf6a8dc37be32b365b" ns2:_="">
     <xsd:import namespace="http://schemas.microsoft.com/sharepoint/v3/fields"/>
@@ -5499,31 +5188,25 @@
 </ct:contentTypeSchema>
 </file>
 
-<file path=customXml/itemProps1.xml><?xml version="1.0" encoding="utf-8"?>
-<ds:datastoreItem xmlns:ds="http://schemas.openxmlformats.org/officeDocument/2006/customXml" ds:itemID="{7B6F2769-7194-4217-93D3-3AF3A4742282}">
-  <ds:schemaRefs>
-    <ds:schemaRef ds:uri="http://purl.org/dc/elements/1.1/"/>
-    <ds:schemaRef ds:uri="http://schemas.microsoft.com/office/2006/metadata/properties"/>
-    <ds:schemaRef ds:uri="http://purl.org/dc/terms/"/>
-    <ds:schemaRef ds:uri="http://schemas.openxmlformats.org/package/2006/metadata/core-properties"/>
-    <ds:schemaRef ds:uri="http://schemas.microsoft.com/office/2006/documentManagement/types"/>
-    <ds:schemaRef ds:uri="http://schemas.microsoft.com/office/infopath/2007/PartnerControls"/>
-    <ds:schemaRef ds:uri="http://schemas.microsoft.com/sharepoint/v3/fields"/>
-    <ds:schemaRef ds:uri="http://www.w3.org/XML/1998/namespace"/>
-    <ds:schemaRef ds:uri="http://purl.org/dc/dcmitype/"/>
-  </ds:schemaRefs>
-</ds:datastoreItem>
+<file path=customXml/item2.xml><?xml version="1.0" encoding="utf-8"?>
+<?mso-contentType ?>
+<FormTemplates xmlns="http://schemas.microsoft.com/sharepoint/v3/contenttype/forms">
+  <Display>DocumentLibraryForm</Display>
+  <Edit>DocumentLibraryForm</Edit>
+  <New>DocumentLibraryForm</New>
+</FormTemplates>
 </file>
 
-<file path=customXml/itemProps2.xml><?xml version="1.0" encoding="utf-8"?>
-<ds:datastoreItem xmlns:ds="http://schemas.openxmlformats.org/officeDocument/2006/customXml" ds:itemID="{87D2A1B0-FF3E-4009-940D-AED0EB70AA20}">
-  <ds:schemaRefs>
-    <ds:schemaRef ds:uri="http://schemas.microsoft.com/sharepoint/v3/contenttype/forms"/>
-  </ds:schemaRefs>
-</ds:datastoreItem>
+<file path=customXml/item3.xml><?xml version="1.0" encoding="utf-8"?>
+<p:properties xmlns:p="http://schemas.microsoft.com/office/2006/metadata/properties" xmlns:xsi="http://www.w3.org/2001/XMLSchema-instance" xmlns:pc="http://schemas.microsoft.com/office/infopath/2007/PartnerControls">
+  <documentManagement>
+    <_Version xmlns="http://schemas.microsoft.com/sharepoint/v3/fields" xsi:nil="true"/>
+    <_Status xmlns="http://schemas.microsoft.com/sharepoint/v3/fields">Not Started</_Status>
+  </documentManagement>
+</p:properties>
 </file>
 
-<file path=customXml/itemProps3.xml><?xml version="1.0" encoding="utf-8"?>
+<file path=customXml/itemProps1.xml><?xml version="1.0" encoding="utf-8"?>
 <ds:datastoreItem xmlns:ds="http://schemas.openxmlformats.org/officeDocument/2006/customXml" ds:itemID="{E4214858-785C-42F7-BE66-6D0E79395FC8}">
   <ds:schemaRefs>
     <ds:schemaRef ds:uri="http://schemas.microsoft.com/office/2006/metadata/contentType"/>
@@ -5539,4 +5222,28 @@
     <ds:schemaRef ds:uri="http://schemas.microsoft.com/internal/obd"/>
   </ds:schemaRefs>
 </ds:datastoreItem>
+</file>
+
+<file path=customXml/itemProps2.xml><?xml version="1.0" encoding="utf-8"?>
+<ds:datastoreItem xmlns:ds="http://schemas.openxmlformats.org/officeDocument/2006/customXml" ds:itemID="{87D2A1B0-FF3E-4009-940D-AED0EB70AA20}">
+  <ds:schemaRefs>
+    <ds:schemaRef ds:uri="http://schemas.microsoft.com/sharepoint/v3/contenttype/forms"/>
+  </ds:schemaRefs>
+</ds:datastoreItem>
+</file>
+
+<file path=customXml/itemProps3.xml><?xml version="1.0" encoding="utf-8"?>
+<ds:datastoreItem xmlns:ds="http://schemas.openxmlformats.org/officeDocument/2006/customXml" ds:itemID="{7B6F2769-7194-4217-93D3-3AF3A4742282}">
+  <ds:schemaRefs>
+    <ds:schemaRef ds:uri="http://purl.org/dc/terms/"/>
+    <ds:schemaRef ds:uri="http://schemas.openxmlformats.org/package/2006/metadata/core-properties"/>
+    <ds:schemaRef ds:uri="http://schemas.microsoft.com/office/2006/documentManagement/types"/>
+    <ds:schemaRef ds:uri="http://purl.org/dc/dcmitype/"/>
+    <ds:schemaRef ds:uri="http://schemas.microsoft.com/office/infopath/2007/PartnerControls"/>
+    <ds:schemaRef ds:uri="http://purl.org/dc/elements/1.1/"/>
+    <ds:schemaRef ds:uri="http://schemas.microsoft.com/office/2006/metadata/properties"/>
+    <ds:schemaRef ds:uri="http://schemas.microsoft.com/sharepoint/v3/fields"/>
+    <ds:schemaRef ds:uri="http://www.w3.org/XML/1998/namespace"/>
+  </ds:schemaRefs>
+</ds:datastoreItem>
 </file>
--- a/Documentation/Poster.pptx
+++ b/Documentation/Poster.pptx
@@ -4359,30 +4359,6 @@
           </a:graphicData>
         </a:graphic>
       </p:graphicFrame>
-      <p:pic>
-        <p:nvPicPr>
-          <p:cNvPr id="6" name="Picture 5"/>
-          <p:cNvPicPr>
-            <a:picLocks noChangeAspect="1"/>
-          </p:cNvPicPr>
-          <p:nvPr/>
-        </p:nvPicPr>
-        <p:blipFill>
-          <a:blip r:embed="rId14"/>
-          <a:stretch>
-            <a:fillRect/>
-          </a:stretch>
-        </p:blipFill>
-        <p:spPr>
-          <a:xfrm>
-            <a:off x="12502074" y="23658444"/>
-            <a:ext cx="8762891" cy="5222329"/>
-          </a:xfrm>
-          <a:prstGeom prst="rect">
-            <a:avLst/>
-          </a:prstGeom>
-        </p:spPr>
-      </p:pic>
       <p:graphicFrame>
         <p:nvGraphicFramePr>
           <p:cNvPr id="9" name="Table 8"/>
@@ -4720,6 +4696,30 @@
           </a:p>
         </p:txBody>
       </p:sp>
+      <p:pic>
+        <p:nvPicPr>
+          <p:cNvPr id="18" name="Picture 17"/>
+          <p:cNvPicPr>
+            <a:picLocks noChangeAspect="1"/>
+          </p:cNvPicPr>
+          <p:nvPr/>
+        </p:nvPicPr>
+        <p:blipFill>
+          <a:blip r:embed="rId14"/>
+          <a:stretch>
+            <a:fillRect/>
+          </a:stretch>
+        </p:blipFill>
+        <p:spPr>
+          <a:xfrm>
+            <a:off x="12740845" y="23895237"/>
+            <a:ext cx="7835385" cy="4669573"/>
+          </a:xfrm>
+          <a:prstGeom prst="rect">
+            <a:avLst/>
+          </a:prstGeom>
+        </p:spPr>
+      </p:pic>
     </p:spTree>
     <p:extLst>
       <p:ext uri="{BB962C8B-B14F-4D97-AF65-F5344CB8AC3E}">
@@ -5372,6 +5372,24 @@
 </file>
 
 <file path=customXml/item1.xml><?xml version="1.0" encoding="utf-8"?>
+<p:properties xmlns:p="http://schemas.microsoft.com/office/2006/metadata/properties" xmlns:xsi="http://www.w3.org/2001/XMLSchema-instance" xmlns:pc="http://schemas.microsoft.com/office/infopath/2007/PartnerControls">
+  <documentManagement>
+    <_Version xmlns="http://schemas.microsoft.com/sharepoint/v3/fields" xsi:nil="true"/>
+    <_Status xmlns="http://schemas.microsoft.com/sharepoint/v3/fields">Not Started</_Status>
+  </documentManagement>
+</p:properties>
+</file>
+
+<file path=customXml/item2.xml><?xml version="1.0" encoding="utf-8"?>
+<?mso-contentType ?>
+<FormTemplates xmlns="http://schemas.microsoft.com/sharepoint/v3/contenttype/forms">
+  <Display>DocumentLibraryForm</Display>
+  <Edit>DocumentLibraryForm</Edit>
+  <New>DocumentLibraryForm</New>
+</FormTemplates>
+</file>
+
+<file path=customXml/item3.xml><?xml version="1.0" encoding="utf-8"?>
 <ct:contentTypeSchema xmlns:ct="http://schemas.microsoft.com/office/2006/metadata/contentType" xmlns:ma="http://schemas.microsoft.com/office/2006/metadata/properties/metaAttributes" ct:_="" ma:_="" ma:contentTypeName="Document" ma:contentTypeID="0x0101000DE64AEEDD9B7A4D93545ACBE97D4615" ma:contentTypeVersion="2" ma:contentTypeDescription="Create a new document." ma:contentTypeScope="" ma:versionID="f49002b78e3a4a71b814eef46a983816">
   <xsd:schema xmlns:xsd="http://www.w3.org/2001/XMLSchema" xmlns:xs="http://www.w3.org/2001/XMLSchema" xmlns:p="http://schemas.microsoft.com/office/2006/metadata/properties" xmlns:ns2="http://schemas.microsoft.com/sharepoint/v3/fields" targetNamespace="http://schemas.microsoft.com/office/2006/metadata/properties" ma:root="true" ma:fieldsID="38f6db2dd0d9a0cf6a8dc37be32b365b" ns2:_="">
     <xsd:import namespace="http://schemas.microsoft.com/sharepoint/v3/fields"/>
@@ -5515,25 +5533,31 @@
 </ct:contentTypeSchema>
 </file>
 
-<file path=customXml/item2.xml><?xml version="1.0" encoding="utf-8"?>
-<?mso-contentType ?>
-<FormTemplates xmlns="http://schemas.microsoft.com/sharepoint/v3/contenttype/forms">
-  <Display>DocumentLibraryForm</Display>
-  <Edit>DocumentLibraryForm</Edit>
-  <New>DocumentLibraryForm</New>
-</FormTemplates>
+<file path=customXml/itemProps1.xml><?xml version="1.0" encoding="utf-8"?>
+<ds:datastoreItem xmlns:ds="http://schemas.openxmlformats.org/officeDocument/2006/customXml" ds:itemID="{7B6F2769-7194-4217-93D3-3AF3A4742282}">
+  <ds:schemaRefs>
+    <ds:schemaRef ds:uri="http://purl.org/dc/terms/"/>
+    <ds:schemaRef ds:uri="http://schemas.openxmlformats.org/package/2006/metadata/core-properties"/>
+    <ds:schemaRef ds:uri="http://schemas.microsoft.com/office/2006/documentManagement/types"/>
+    <ds:schemaRef ds:uri="http://purl.org/dc/dcmitype/"/>
+    <ds:schemaRef ds:uri="http://schemas.microsoft.com/office/infopath/2007/PartnerControls"/>
+    <ds:schemaRef ds:uri="http://purl.org/dc/elements/1.1/"/>
+    <ds:schemaRef ds:uri="http://schemas.microsoft.com/office/2006/metadata/properties"/>
+    <ds:schemaRef ds:uri="http://schemas.microsoft.com/sharepoint/v3/fields"/>
+    <ds:schemaRef ds:uri="http://www.w3.org/XML/1998/namespace"/>
+  </ds:schemaRefs>
+</ds:datastoreItem>
 </file>
 
-<file path=customXml/item3.xml><?xml version="1.0" encoding="utf-8"?>
-<p:properties xmlns:p="http://schemas.microsoft.com/office/2006/metadata/properties" xmlns:xsi="http://www.w3.org/2001/XMLSchema-instance" xmlns:pc="http://schemas.microsoft.com/office/infopath/2007/PartnerControls">
-  <documentManagement>
-    <_Version xmlns="http://schemas.microsoft.com/sharepoint/v3/fields" xsi:nil="true"/>
-    <_Status xmlns="http://schemas.microsoft.com/sharepoint/v3/fields">Not Started</_Status>
-  </documentManagement>
-</p:properties>
+<file path=customXml/itemProps2.xml><?xml version="1.0" encoding="utf-8"?>
+<ds:datastoreItem xmlns:ds="http://schemas.openxmlformats.org/officeDocument/2006/customXml" ds:itemID="{87D2A1B0-FF3E-4009-940D-AED0EB70AA20}">
+  <ds:schemaRefs>
+    <ds:schemaRef ds:uri="http://schemas.microsoft.com/sharepoint/v3/contenttype/forms"/>
+  </ds:schemaRefs>
+</ds:datastoreItem>
 </file>
 
-<file path=customXml/itemProps1.xml><?xml version="1.0" encoding="utf-8"?>
+<file path=customXml/itemProps3.xml><?xml version="1.0" encoding="utf-8"?>
 <ds:datastoreItem xmlns:ds="http://schemas.openxmlformats.org/officeDocument/2006/customXml" ds:itemID="{E4214858-785C-42F7-BE66-6D0E79395FC8}">
   <ds:schemaRefs>
     <ds:schemaRef ds:uri="http://schemas.microsoft.com/office/2006/metadata/contentType"/>
@@ -5549,28 +5573,4 @@
     <ds:schemaRef ds:uri="http://schemas.microsoft.com/internal/obd"/>
   </ds:schemaRefs>
 </ds:datastoreItem>
-</file>
-
-<file path=customXml/itemProps2.xml><?xml version="1.0" encoding="utf-8"?>
-<ds:datastoreItem xmlns:ds="http://schemas.openxmlformats.org/officeDocument/2006/customXml" ds:itemID="{87D2A1B0-FF3E-4009-940D-AED0EB70AA20}">
-  <ds:schemaRefs>
-    <ds:schemaRef ds:uri="http://schemas.microsoft.com/sharepoint/v3/contenttype/forms"/>
-  </ds:schemaRefs>
-</ds:datastoreItem>
-</file>
-
-<file path=customXml/itemProps3.xml><?xml version="1.0" encoding="utf-8"?>
-<ds:datastoreItem xmlns:ds="http://schemas.openxmlformats.org/officeDocument/2006/customXml" ds:itemID="{7B6F2769-7194-4217-93D3-3AF3A4742282}">
-  <ds:schemaRefs>
-    <ds:schemaRef ds:uri="http://purl.org/dc/terms/"/>
-    <ds:schemaRef ds:uri="http://schemas.openxmlformats.org/package/2006/metadata/core-properties"/>
-    <ds:schemaRef ds:uri="http://schemas.microsoft.com/office/2006/documentManagement/types"/>
-    <ds:schemaRef ds:uri="http://purl.org/dc/dcmitype/"/>
-    <ds:schemaRef ds:uri="http://schemas.microsoft.com/office/infopath/2007/PartnerControls"/>
-    <ds:schemaRef ds:uri="http://purl.org/dc/elements/1.1/"/>
-    <ds:schemaRef ds:uri="http://schemas.microsoft.com/office/2006/metadata/properties"/>
-    <ds:schemaRef ds:uri="http://schemas.microsoft.com/sharepoint/v3/fields"/>
-    <ds:schemaRef ds:uri="http://www.w3.org/XML/1998/namespace"/>
-  </ds:schemaRefs>
-</ds:datastoreItem>
 </file>